--- a/Semana 7/Dia 2/Sql server.pptx
+++ b/Semana 7/Dia 2/Sql server.pptx
@@ -19,8 +19,24 @@
     <p:sldId id="269" r:id="rId13"/>
     <p:sldId id="272" r:id="rId14"/>
     <p:sldId id="270" r:id="rId15"/>
-    <p:sldId id="271" r:id="rId16"/>
-    <p:sldId id="273" r:id="rId17"/>
+    <p:sldId id="280" r:id="rId16"/>
+    <p:sldId id="279" r:id="rId17"/>
+    <p:sldId id="276" r:id="rId18"/>
+    <p:sldId id="271" r:id="rId19"/>
+    <p:sldId id="273" r:id="rId20"/>
+    <p:sldId id="274" r:id="rId21"/>
+    <p:sldId id="275" r:id="rId22"/>
+    <p:sldId id="277" r:id="rId23"/>
+    <p:sldId id="278" r:id="rId24"/>
+    <p:sldId id="281" r:id="rId25"/>
+    <p:sldId id="282" r:id="rId26"/>
+    <p:sldId id="283" r:id="rId27"/>
+    <p:sldId id="284" r:id="rId28"/>
+    <p:sldId id="285" r:id="rId29"/>
+    <p:sldId id="287" r:id="rId30"/>
+    <p:sldId id="286" r:id="rId31"/>
+    <p:sldId id="288" r:id="rId32"/>
+    <p:sldId id="289" r:id="rId33"/>
   </p:sldIdLst>
   <p:sldSz cx="12192000" cy="6858000"/>
   <p:notesSz cx="6858000" cy="9144000"/>
@@ -7375,7 +7391,7 @@
           <p:cNvPr id="2" name="Título 1">
             <a:extLst>
               <a:ext uri="{FF2B5EF4-FFF2-40B4-BE49-F238E27FC236}">
-                <a16:creationId xmlns:a16="http://schemas.microsoft.com/office/drawing/2014/main" id="{90FECCAC-0AF8-4062-A1E1-FCEA1D90AFFE}"/>
+                <a16:creationId xmlns:a16="http://schemas.microsoft.com/office/drawing/2014/main" id="{9B7B5054-B70D-402F-AE09-002660FC9C72}"/>
               </a:ext>
             </a:extLst>
           </p:cNvPr>
@@ -7392,8 +7408,12 @@
           <a:lstStyle/>
           <a:p>
             <a:r>
+              <a:rPr lang="es-US" dirty="0" err="1"/>
+              <a:t>interseccion</a:t>
+            </a:r>
+            <a:r>
               <a:rPr lang="es-US" dirty="0"/>
-              <a:t>JOIN</a:t>
+              <a:t> DE TABLAS</a:t>
             </a:r>
           </a:p>
         </p:txBody>
@@ -7403,7 +7423,7 @@
           <p:cNvPr id="3" name="Marcador de contenido 2">
             <a:extLst>
               <a:ext uri="{FF2B5EF4-FFF2-40B4-BE49-F238E27FC236}">
-                <a16:creationId xmlns:a16="http://schemas.microsoft.com/office/drawing/2014/main" id="{CD14C555-EA1A-4543-A9DF-58C55777BE21}"/>
+                <a16:creationId xmlns:a16="http://schemas.microsoft.com/office/drawing/2014/main" id="{A72EA9A8-BB0D-42FF-A144-F9B4A1AB55A5}"/>
               </a:ext>
             </a:extLst>
           </p:cNvPr>
@@ -7416,56 +7436,15 @@
         </p:nvSpPr>
         <p:spPr/>
         <p:txBody>
-          <a:bodyPr>
-            <a:normAutofit/>
-          </a:bodyPr>
+          <a:bodyPr/>
           <a:lstStyle/>
           <a:p>
             <a:pPr marL="0" indent="0">
               <a:buNone/>
             </a:pPr>
             <a:r>
-              <a:rPr lang="es-US" sz="2400" dirty="0"/>
-              <a:t>Mostrar datos relacionados de diferentes tablas</a:t>
-            </a:r>
-          </a:p>
-          <a:p>
-            <a:pPr marL="0" indent="0">
-              <a:buNone/>
-            </a:pPr>
-            <a:r>
-              <a:rPr lang="es-US" sz="2400" dirty="0"/>
-              <a:t>Se usan datos de una tabla para seleccionar datos de otra tabla</a:t>
-            </a:r>
-          </a:p>
-          <a:p>
-            <a:r>
-              <a:rPr lang="es-US" sz="2400" dirty="0"/>
-              <a:t>INNER JOIN</a:t>
-            </a:r>
-          </a:p>
-          <a:p>
-            <a:r>
-              <a:rPr lang="es-US" sz="2400" dirty="0"/>
-              <a:t>LEFT JOIN</a:t>
-            </a:r>
-          </a:p>
-          <a:p>
-            <a:r>
-              <a:rPr lang="es-US" sz="2400" dirty="0"/>
-              <a:t>RIGHT JOIN</a:t>
-            </a:r>
-          </a:p>
-          <a:p>
-            <a:r>
-              <a:rPr lang="es-US" sz="2400" dirty="0"/>
-              <a:t>FULL OUTER JOIN</a:t>
-            </a:r>
-          </a:p>
-          <a:p>
-            <a:r>
-              <a:rPr lang="es-US" sz="2400" dirty="0"/>
-              <a:t>CROSS JOIN</a:t>
+              <a:rPr lang="es-US" dirty="0"/>
+              <a:t>&lt;TABLA_1&gt; INTERSECT &lt;TABLA_2&gt;</a:t>
             </a:r>
           </a:p>
         </p:txBody>
@@ -7473,7 +7452,7 @@
     </p:spTree>
     <p:extLst>
       <p:ext uri="{BB962C8B-B14F-4D97-AF65-F5344CB8AC3E}">
-        <p14:creationId xmlns:p14="http://schemas.microsoft.com/office/powerpoint/2010/main" val="4013348201"/>
+        <p14:creationId xmlns:p14="http://schemas.microsoft.com/office/powerpoint/2010/main" val="271861773"/>
       </p:ext>
     </p:extLst>
   </p:cSld>
@@ -7505,6 +7484,316 @@
           <p:cNvPr id="2" name="Título 1">
             <a:extLst>
               <a:ext uri="{FF2B5EF4-FFF2-40B4-BE49-F238E27FC236}">
+                <a16:creationId xmlns:a16="http://schemas.microsoft.com/office/drawing/2014/main" id="{9B7B5054-B70D-402F-AE09-002660FC9C72}"/>
+              </a:ext>
+            </a:extLst>
+          </p:cNvPr>
+          <p:cNvSpPr>
+            <a:spLocks noGrp="1"/>
+          </p:cNvSpPr>
+          <p:nvPr>
+            <p:ph type="title"/>
+          </p:nvPr>
+        </p:nvSpPr>
+        <p:spPr/>
+        <p:txBody>
+          <a:bodyPr/>
+          <a:lstStyle/>
+          <a:p>
+            <a:r>
+              <a:rPr lang="es-US" dirty="0"/>
+              <a:t>RESTA(?) DE TABLAS</a:t>
+            </a:r>
+          </a:p>
+        </p:txBody>
+      </p:sp>
+      <p:sp>
+        <p:nvSpPr>
+          <p:cNvPr id="3" name="Marcador de contenido 2">
+            <a:extLst>
+              <a:ext uri="{FF2B5EF4-FFF2-40B4-BE49-F238E27FC236}">
+                <a16:creationId xmlns:a16="http://schemas.microsoft.com/office/drawing/2014/main" id="{A72EA9A8-BB0D-42FF-A144-F9B4A1AB55A5}"/>
+              </a:ext>
+            </a:extLst>
+          </p:cNvPr>
+          <p:cNvSpPr>
+            <a:spLocks noGrp="1"/>
+          </p:cNvSpPr>
+          <p:nvPr>
+            <p:ph idx="1"/>
+          </p:nvPr>
+        </p:nvSpPr>
+        <p:spPr/>
+        <p:txBody>
+          <a:bodyPr/>
+          <a:lstStyle/>
+          <a:p>
+            <a:pPr marL="0" indent="0">
+              <a:buNone/>
+            </a:pPr>
+            <a:r>
+              <a:rPr lang="es-US" dirty="0"/>
+              <a:t>&lt;TABLA_1&gt; EXCEPT &lt;TABLA_2&gt;</a:t>
+            </a:r>
+          </a:p>
+        </p:txBody>
+      </p:sp>
+    </p:spTree>
+    <p:extLst>
+      <p:ext uri="{BB962C8B-B14F-4D97-AF65-F5344CB8AC3E}">
+        <p14:creationId xmlns:p14="http://schemas.microsoft.com/office/powerpoint/2010/main" val="591233131"/>
+      </p:ext>
+    </p:extLst>
+  </p:cSld>
+  <p:clrMapOvr>
+    <a:masterClrMapping/>
+  </p:clrMapOvr>
+</p:sld>
+</file>
+
+<file path=ppt/slides/slide17.xml><?xml version="1.0" encoding="utf-8"?>
+<p:sld xmlns:a="http://schemas.openxmlformats.org/drawingml/2006/main" xmlns:r="http://schemas.openxmlformats.org/officeDocument/2006/relationships" xmlns:p="http://schemas.openxmlformats.org/presentationml/2006/main">
+  <p:cSld>
+    <p:spTree>
+      <p:nvGrpSpPr>
+        <p:cNvPr id="1" name=""/>
+        <p:cNvGrpSpPr/>
+        <p:nvPr/>
+      </p:nvGrpSpPr>
+      <p:grpSpPr>
+        <a:xfrm>
+          <a:off x="0" y="0"/>
+          <a:ext cx="0" cy="0"/>
+          <a:chOff x="0" y="0"/>
+          <a:chExt cx="0" cy="0"/>
+        </a:xfrm>
+      </p:grpSpPr>
+      <p:sp>
+        <p:nvSpPr>
+          <p:cNvPr id="2" name="Título 1">
+            <a:extLst>
+              <a:ext uri="{FF2B5EF4-FFF2-40B4-BE49-F238E27FC236}">
+                <a16:creationId xmlns:a16="http://schemas.microsoft.com/office/drawing/2014/main" id="{121466B8-2C65-4436-A679-B7A3801A455D}"/>
+              </a:ext>
+            </a:extLst>
+          </p:cNvPr>
+          <p:cNvSpPr>
+            <a:spLocks noGrp="1"/>
+          </p:cNvSpPr>
+          <p:nvPr>
+            <p:ph type="title"/>
+          </p:nvPr>
+        </p:nvSpPr>
+        <p:spPr/>
+        <p:txBody>
+          <a:bodyPr/>
+          <a:lstStyle/>
+          <a:p>
+            <a:r>
+              <a:rPr lang="es-US" dirty="0"/>
+              <a:t>SUBCONSULTAS</a:t>
+            </a:r>
+          </a:p>
+        </p:txBody>
+      </p:sp>
+      <p:sp>
+        <p:nvSpPr>
+          <p:cNvPr id="3" name="Marcador de contenido 2">
+            <a:extLst>
+              <a:ext uri="{FF2B5EF4-FFF2-40B4-BE49-F238E27FC236}">
+                <a16:creationId xmlns:a16="http://schemas.microsoft.com/office/drawing/2014/main" id="{FC86032F-8211-4D09-96CB-A72B859ABC0F}"/>
+              </a:ext>
+            </a:extLst>
+          </p:cNvPr>
+          <p:cNvSpPr>
+            <a:spLocks noGrp="1"/>
+          </p:cNvSpPr>
+          <p:nvPr>
+            <p:ph idx="1"/>
+          </p:nvPr>
+        </p:nvSpPr>
+        <p:spPr/>
+        <p:txBody>
+          <a:bodyPr>
+            <a:normAutofit/>
+          </a:bodyPr>
+          <a:lstStyle/>
+          <a:p>
+            <a:pPr marL="0" indent="0">
+              <a:buNone/>
+            </a:pPr>
+            <a:r>
+              <a:rPr lang="es-US" sz="2400" dirty="0"/>
+              <a:t>Consultas anidadas que usan los valores de otras consultas para mostrar distintos resultados</a:t>
+            </a:r>
+          </a:p>
+        </p:txBody>
+      </p:sp>
+    </p:spTree>
+    <p:extLst>
+      <p:ext uri="{BB962C8B-B14F-4D97-AF65-F5344CB8AC3E}">
+        <p14:creationId xmlns:p14="http://schemas.microsoft.com/office/powerpoint/2010/main" val="1908332430"/>
+      </p:ext>
+    </p:extLst>
+  </p:cSld>
+  <p:clrMapOvr>
+    <a:masterClrMapping/>
+  </p:clrMapOvr>
+</p:sld>
+</file>
+
+<file path=ppt/slides/slide18.xml><?xml version="1.0" encoding="utf-8"?>
+<p:sld xmlns:a="http://schemas.openxmlformats.org/drawingml/2006/main" xmlns:r="http://schemas.openxmlformats.org/officeDocument/2006/relationships" xmlns:p="http://schemas.openxmlformats.org/presentationml/2006/main">
+  <p:cSld>
+    <p:spTree>
+      <p:nvGrpSpPr>
+        <p:cNvPr id="1" name=""/>
+        <p:cNvGrpSpPr/>
+        <p:nvPr/>
+      </p:nvGrpSpPr>
+      <p:grpSpPr>
+        <a:xfrm>
+          <a:off x="0" y="0"/>
+          <a:ext cx="0" cy="0"/>
+          <a:chOff x="0" y="0"/>
+          <a:chExt cx="0" cy="0"/>
+        </a:xfrm>
+      </p:grpSpPr>
+      <p:sp>
+        <p:nvSpPr>
+          <p:cNvPr id="2" name="Título 1">
+            <a:extLst>
+              <a:ext uri="{FF2B5EF4-FFF2-40B4-BE49-F238E27FC236}">
+                <a16:creationId xmlns:a16="http://schemas.microsoft.com/office/drawing/2014/main" id="{90FECCAC-0AF8-4062-A1E1-FCEA1D90AFFE}"/>
+              </a:ext>
+            </a:extLst>
+          </p:cNvPr>
+          <p:cNvSpPr>
+            <a:spLocks noGrp="1"/>
+          </p:cNvSpPr>
+          <p:nvPr>
+            <p:ph type="title"/>
+          </p:nvPr>
+        </p:nvSpPr>
+        <p:spPr/>
+        <p:txBody>
+          <a:bodyPr/>
+          <a:lstStyle/>
+          <a:p>
+            <a:r>
+              <a:rPr lang="es-US" dirty="0"/>
+              <a:t>JOIN</a:t>
+            </a:r>
+          </a:p>
+        </p:txBody>
+      </p:sp>
+      <p:sp>
+        <p:nvSpPr>
+          <p:cNvPr id="3" name="Marcador de contenido 2">
+            <a:extLst>
+              <a:ext uri="{FF2B5EF4-FFF2-40B4-BE49-F238E27FC236}">
+                <a16:creationId xmlns:a16="http://schemas.microsoft.com/office/drawing/2014/main" id="{CD14C555-EA1A-4543-A9DF-58C55777BE21}"/>
+              </a:ext>
+            </a:extLst>
+          </p:cNvPr>
+          <p:cNvSpPr>
+            <a:spLocks noGrp="1"/>
+          </p:cNvSpPr>
+          <p:nvPr>
+            <p:ph idx="1"/>
+          </p:nvPr>
+        </p:nvSpPr>
+        <p:spPr/>
+        <p:txBody>
+          <a:bodyPr>
+            <a:normAutofit/>
+          </a:bodyPr>
+          <a:lstStyle/>
+          <a:p>
+            <a:pPr marL="0" indent="0">
+              <a:buNone/>
+            </a:pPr>
+            <a:r>
+              <a:rPr lang="es-US" sz="2400" dirty="0"/>
+              <a:t>Mostrar datos relacionados de diferentes tablas</a:t>
+            </a:r>
+          </a:p>
+          <a:p>
+            <a:pPr marL="0" indent="0">
+              <a:buNone/>
+            </a:pPr>
+            <a:r>
+              <a:rPr lang="es-US" sz="2400" dirty="0"/>
+              <a:t>Se usan datos de una tabla para seleccionar datos de otra tabla</a:t>
+            </a:r>
+          </a:p>
+          <a:p>
+            <a:r>
+              <a:rPr lang="es-US" sz="2400" dirty="0"/>
+              <a:t>INNER JOIN</a:t>
+            </a:r>
+          </a:p>
+          <a:p>
+            <a:r>
+              <a:rPr lang="es-US" sz="2400" dirty="0"/>
+              <a:t>LEFT JOIN</a:t>
+            </a:r>
+          </a:p>
+          <a:p>
+            <a:r>
+              <a:rPr lang="es-US" sz="2400" dirty="0"/>
+              <a:t>RIGHT JOIN</a:t>
+            </a:r>
+          </a:p>
+          <a:p>
+            <a:r>
+              <a:rPr lang="es-US" sz="2400" dirty="0"/>
+              <a:t>FULL OUTER JOIN</a:t>
+            </a:r>
+          </a:p>
+          <a:p>
+            <a:r>
+              <a:rPr lang="es-US" sz="2400" dirty="0"/>
+              <a:t>CROSS JOIN</a:t>
+            </a:r>
+          </a:p>
+        </p:txBody>
+      </p:sp>
+    </p:spTree>
+    <p:extLst>
+      <p:ext uri="{BB962C8B-B14F-4D97-AF65-F5344CB8AC3E}">
+        <p14:creationId xmlns:p14="http://schemas.microsoft.com/office/powerpoint/2010/main" val="4013348201"/>
+      </p:ext>
+    </p:extLst>
+  </p:cSld>
+  <p:clrMapOvr>
+    <a:masterClrMapping/>
+  </p:clrMapOvr>
+</p:sld>
+</file>
+
+<file path=ppt/slides/slide19.xml><?xml version="1.0" encoding="utf-8"?>
+<p:sld xmlns:a="http://schemas.openxmlformats.org/drawingml/2006/main" xmlns:r="http://schemas.openxmlformats.org/officeDocument/2006/relationships" xmlns:p="http://schemas.openxmlformats.org/presentationml/2006/main">
+  <p:cSld>
+    <p:spTree>
+      <p:nvGrpSpPr>
+        <p:cNvPr id="1" name=""/>
+        <p:cNvGrpSpPr/>
+        <p:nvPr/>
+      </p:nvGrpSpPr>
+      <p:grpSpPr>
+        <a:xfrm>
+          <a:off x="0" y="0"/>
+          <a:ext cx="0" cy="0"/>
+          <a:chOff x="0" y="0"/>
+          <a:chExt cx="0" cy="0"/>
+        </a:xfrm>
+      </p:grpSpPr>
+      <p:sp>
+        <p:nvSpPr>
+          <p:cNvPr id="2" name="Título 1">
+            <a:extLst>
+              <a:ext uri="{FF2B5EF4-FFF2-40B4-BE49-F238E27FC236}">
                 <a16:creationId xmlns:a16="http://schemas.microsoft.com/office/drawing/2014/main" id="{E44C600E-8402-4723-A986-B0695CD140B2}"/>
               </a:ext>
             </a:extLst>
@@ -7571,8 +7860,12 @@
               <a:buNone/>
             </a:pPr>
             <a:r>
+              <a:rPr lang="en-US" b="1" dirty="0"/>
+              <a:t>INNER JOIN </a:t>
+            </a:r>
+            <a:r>
               <a:rPr lang="en-US" dirty="0"/>
-              <a:t>INNER JOIN &lt;TABLA_DERECHA&gt; ON &lt;CONDICION&gt;;</a:t>
+              <a:t>&lt;TABLA_DERECHA&gt; ON &lt;CONDICION&gt;;</a:t>
             </a:r>
           </a:p>
           <a:p>
@@ -7580,6 +7873,36 @@
           </a:p>
         </p:txBody>
       </p:sp>
+      <p:pic>
+        <p:nvPicPr>
+          <p:cNvPr id="4" name="Imagen 3">
+            <a:extLst>
+              <a:ext uri="{FF2B5EF4-FFF2-40B4-BE49-F238E27FC236}">
+                <a16:creationId xmlns:a16="http://schemas.microsoft.com/office/drawing/2014/main" id="{BCE7644A-68BF-43EC-AD78-B1AD565E21B9}"/>
+              </a:ext>
+            </a:extLst>
+          </p:cNvPr>
+          <p:cNvPicPr>
+            <a:picLocks noChangeAspect="1"/>
+          </p:cNvPicPr>
+          <p:nvPr/>
+        </p:nvPicPr>
+        <p:blipFill>
+          <a:blip r:embed="rId2"/>
+          <a:stretch>
+            <a:fillRect/>
+          </a:stretch>
+        </p:blipFill>
+        <p:spPr>
+          <a:xfrm>
+            <a:off x="4431026" y="4082796"/>
+            <a:ext cx="3329948" cy="2039270"/>
+          </a:xfrm>
+          <a:prstGeom prst="rect">
+            <a:avLst/>
+          </a:prstGeom>
+        </p:spPr>
+      </p:pic>
     </p:spTree>
     <p:extLst>
       <p:ext uri="{BB962C8B-B14F-4D97-AF65-F5344CB8AC3E}">
@@ -7824,6 +8147,2514 @@
 </p:sld>
 </file>
 
+<file path=ppt/slides/slide20.xml><?xml version="1.0" encoding="utf-8"?>
+<p:sld xmlns:a="http://schemas.openxmlformats.org/drawingml/2006/main" xmlns:r="http://schemas.openxmlformats.org/officeDocument/2006/relationships" xmlns:p="http://schemas.openxmlformats.org/presentationml/2006/main">
+  <p:cSld>
+    <p:spTree>
+      <p:nvGrpSpPr>
+        <p:cNvPr id="1" name=""/>
+        <p:cNvGrpSpPr/>
+        <p:nvPr/>
+      </p:nvGrpSpPr>
+      <p:grpSpPr>
+        <a:xfrm>
+          <a:off x="0" y="0"/>
+          <a:ext cx="0" cy="0"/>
+          <a:chOff x="0" y="0"/>
+          <a:chExt cx="0" cy="0"/>
+        </a:xfrm>
+      </p:grpSpPr>
+      <p:sp>
+        <p:nvSpPr>
+          <p:cNvPr id="2" name="Título 1">
+            <a:extLst>
+              <a:ext uri="{FF2B5EF4-FFF2-40B4-BE49-F238E27FC236}">
+                <a16:creationId xmlns:a16="http://schemas.microsoft.com/office/drawing/2014/main" id="{5CD1023A-F500-41B8-A61E-28498E47314A}"/>
+              </a:ext>
+            </a:extLst>
+          </p:cNvPr>
+          <p:cNvSpPr>
+            <a:spLocks noGrp="1"/>
+          </p:cNvSpPr>
+          <p:nvPr>
+            <p:ph type="title"/>
+          </p:nvPr>
+        </p:nvSpPr>
+        <p:spPr/>
+        <p:txBody>
+          <a:bodyPr/>
+          <a:lstStyle/>
+          <a:p>
+            <a:r>
+              <a:rPr lang="es-US" dirty="0" err="1"/>
+              <a:t>Left</a:t>
+            </a:r>
+            <a:r>
+              <a:rPr lang="es-US" dirty="0"/>
+              <a:t> </a:t>
+            </a:r>
+            <a:r>
+              <a:rPr lang="es-US" dirty="0" err="1"/>
+              <a:t>join</a:t>
+            </a:r>
+            <a:endParaRPr lang="es-US" dirty="0"/>
+          </a:p>
+        </p:txBody>
+      </p:sp>
+      <p:sp>
+        <p:nvSpPr>
+          <p:cNvPr id="3" name="Marcador de contenido 2">
+            <a:extLst>
+              <a:ext uri="{FF2B5EF4-FFF2-40B4-BE49-F238E27FC236}">
+                <a16:creationId xmlns:a16="http://schemas.microsoft.com/office/drawing/2014/main" id="{7233D5C6-DA34-4652-86DD-09BB31476DE6}"/>
+              </a:ext>
+            </a:extLst>
+          </p:cNvPr>
+          <p:cNvSpPr>
+            <a:spLocks noGrp="1"/>
+          </p:cNvSpPr>
+          <p:nvPr>
+            <p:ph idx="1"/>
+          </p:nvPr>
+        </p:nvSpPr>
+        <p:spPr/>
+        <p:txBody>
+          <a:bodyPr/>
+          <a:lstStyle/>
+          <a:p>
+            <a:pPr marL="0" indent="0" latinLnBrk="1">
+              <a:buNone/>
+            </a:pPr>
+            <a:r>
+              <a:rPr lang="en-US" dirty="0"/>
+              <a:t>SELECT &lt;LISTA_COLUMNAS&gt;</a:t>
+            </a:r>
+          </a:p>
+          <a:p>
+            <a:pPr marL="0" indent="0" latinLnBrk="1">
+              <a:buNone/>
+            </a:pPr>
+            <a:r>
+              <a:rPr lang="en-US" dirty="0"/>
+              <a:t>FROM &lt;TABLA_IZQUIERDA&gt;</a:t>
+            </a:r>
+          </a:p>
+          <a:p>
+            <a:pPr marL="0" indent="0" latinLnBrk="1">
+              <a:buNone/>
+            </a:pPr>
+            <a:r>
+              <a:rPr lang="en-US" b="1" dirty="0"/>
+              <a:t>LEFT JOIN </a:t>
+            </a:r>
+            <a:r>
+              <a:rPr lang="en-US" dirty="0"/>
+              <a:t>&lt;TABLA_DERECHA&gt; ON &lt;CONDICION&gt;;</a:t>
+            </a:r>
+          </a:p>
+          <a:p>
+            <a:endParaRPr lang="es-US" dirty="0"/>
+          </a:p>
+        </p:txBody>
+      </p:sp>
+      <p:pic>
+        <p:nvPicPr>
+          <p:cNvPr id="4" name="Imagen 3">
+            <a:extLst>
+              <a:ext uri="{FF2B5EF4-FFF2-40B4-BE49-F238E27FC236}">
+                <a16:creationId xmlns:a16="http://schemas.microsoft.com/office/drawing/2014/main" id="{417F6F90-984C-41DC-9D5F-910634328A98}"/>
+              </a:ext>
+            </a:extLst>
+          </p:cNvPr>
+          <p:cNvPicPr>
+            <a:picLocks noChangeAspect="1"/>
+          </p:cNvPicPr>
+          <p:nvPr/>
+        </p:nvPicPr>
+        <p:blipFill>
+          <a:blip r:embed="rId2"/>
+          <a:stretch>
+            <a:fillRect/>
+          </a:stretch>
+        </p:blipFill>
+        <p:spPr>
+          <a:xfrm>
+            <a:off x="4402974" y="4082796"/>
+            <a:ext cx="3386052" cy="2041970"/>
+          </a:xfrm>
+          <a:prstGeom prst="rect">
+            <a:avLst/>
+          </a:prstGeom>
+        </p:spPr>
+      </p:pic>
+    </p:spTree>
+    <p:extLst>
+      <p:ext uri="{BB962C8B-B14F-4D97-AF65-F5344CB8AC3E}">
+        <p14:creationId xmlns:p14="http://schemas.microsoft.com/office/powerpoint/2010/main" val="2514291458"/>
+      </p:ext>
+    </p:extLst>
+  </p:cSld>
+  <p:clrMapOvr>
+    <a:masterClrMapping/>
+  </p:clrMapOvr>
+</p:sld>
+</file>
+
+<file path=ppt/slides/slide21.xml><?xml version="1.0" encoding="utf-8"?>
+<p:sld xmlns:a="http://schemas.openxmlformats.org/drawingml/2006/main" xmlns:r="http://schemas.openxmlformats.org/officeDocument/2006/relationships" xmlns:p="http://schemas.openxmlformats.org/presentationml/2006/main">
+  <p:cSld>
+    <p:spTree>
+      <p:nvGrpSpPr>
+        <p:cNvPr id="1" name=""/>
+        <p:cNvGrpSpPr/>
+        <p:nvPr/>
+      </p:nvGrpSpPr>
+      <p:grpSpPr>
+        <a:xfrm>
+          <a:off x="0" y="0"/>
+          <a:ext cx="0" cy="0"/>
+          <a:chOff x="0" y="0"/>
+          <a:chExt cx="0" cy="0"/>
+        </a:xfrm>
+      </p:grpSpPr>
+      <p:sp>
+        <p:nvSpPr>
+          <p:cNvPr id="2" name="Título 1">
+            <a:extLst>
+              <a:ext uri="{FF2B5EF4-FFF2-40B4-BE49-F238E27FC236}">
+                <a16:creationId xmlns:a16="http://schemas.microsoft.com/office/drawing/2014/main" id="{5CD1023A-F500-41B8-A61E-28498E47314A}"/>
+              </a:ext>
+            </a:extLst>
+          </p:cNvPr>
+          <p:cNvSpPr>
+            <a:spLocks noGrp="1"/>
+          </p:cNvSpPr>
+          <p:nvPr>
+            <p:ph type="title"/>
+          </p:nvPr>
+        </p:nvSpPr>
+        <p:spPr/>
+        <p:txBody>
+          <a:bodyPr/>
+          <a:lstStyle/>
+          <a:p>
+            <a:r>
+              <a:rPr lang="es-US" dirty="0"/>
+              <a:t>RIGHT </a:t>
+            </a:r>
+            <a:r>
+              <a:rPr lang="es-US" dirty="0" err="1"/>
+              <a:t>join</a:t>
+            </a:r>
+            <a:endParaRPr lang="es-US" dirty="0"/>
+          </a:p>
+        </p:txBody>
+      </p:sp>
+      <p:sp>
+        <p:nvSpPr>
+          <p:cNvPr id="3" name="Marcador de contenido 2">
+            <a:extLst>
+              <a:ext uri="{FF2B5EF4-FFF2-40B4-BE49-F238E27FC236}">
+                <a16:creationId xmlns:a16="http://schemas.microsoft.com/office/drawing/2014/main" id="{7233D5C6-DA34-4652-86DD-09BB31476DE6}"/>
+              </a:ext>
+            </a:extLst>
+          </p:cNvPr>
+          <p:cNvSpPr>
+            <a:spLocks noGrp="1"/>
+          </p:cNvSpPr>
+          <p:nvPr>
+            <p:ph idx="1"/>
+          </p:nvPr>
+        </p:nvSpPr>
+        <p:spPr/>
+        <p:txBody>
+          <a:bodyPr/>
+          <a:lstStyle/>
+          <a:p>
+            <a:pPr marL="0" indent="0" latinLnBrk="1">
+              <a:buNone/>
+            </a:pPr>
+            <a:r>
+              <a:rPr lang="en-US" dirty="0"/>
+              <a:t>SELECT &lt;LISTA_COLUMNAS&gt;</a:t>
+            </a:r>
+          </a:p>
+          <a:p>
+            <a:pPr marL="0" indent="0" latinLnBrk="1">
+              <a:buNone/>
+            </a:pPr>
+            <a:r>
+              <a:rPr lang="en-US" dirty="0"/>
+              <a:t>FROM &lt;TABLA_IZQUIERDA&gt;</a:t>
+            </a:r>
+          </a:p>
+          <a:p>
+            <a:pPr marL="0" indent="0" latinLnBrk="1">
+              <a:buNone/>
+            </a:pPr>
+            <a:r>
+              <a:rPr lang="en-US" b="1" dirty="0"/>
+              <a:t>RIGHT JOIN </a:t>
+            </a:r>
+            <a:r>
+              <a:rPr lang="en-US" dirty="0"/>
+              <a:t>&lt;TABLA_DERECHA&gt; ON &lt;CONDICION&gt;;</a:t>
+            </a:r>
+          </a:p>
+          <a:p>
+            <a:endParaRPr lang="es-US" dirty="0"/>
+          </a:p>
+        </p:txBody>
+      </p:sp>
+      <p:pic>
+        <p:nvPicPr>
+          <p:cNvPr id="5" name="Imagen 4">
+            <a:extLst>
+              <a:ext uri="{FF2B5EF4-FFF2-40B4-BE49-F238E27FC236}">
+                <a16:creationId xmlns:a16="http://schemas.microsoft.com/office/drawing/2014/main" id="{99AD0690-584B-4770-9AA6-4AADD22C0B15}"/>
+              </a:ext>
+            </a:extLst>
+          </p:cNvPr>
+          <p:cNvPicPr>
+            <a:picLocks noChangeAspect="1"/>
+          </p:cNvPicPr>
+          <p:nvPr/>
+        </p:nvPicPr>
+        <p:blipFill>
+          <a:blip r:embed="rId2"/>
+          <a:stretch>
+            <a:fillRect/>
+          </a:stretch>
+        </p:blipFill>
+        <p:spPr>
+          <a:xfrm>
+            <a:off x="4402974" y="4089120"/>
+            <a:ext cx="3386052" cy="2149874"/>
+          </a:xfrm>
+          <a:prstGeom prst="rect">
+            <a:avLst/>
+          </a:prstGeom>
+        </p:spPr>
+      </p:pic>
+    </p:spTree>
+    <p:extLst>
+      <p:ext uri="{BB962C8B-B14F-4D97-AF65-F5344CB8AC3E}">
+        <p14:creationId xmlns:p14="http://schemas.microsoft.com/office/powerpoint/2010/main" val="4090232681"/>
+      </p:ext>
+    </p:extLst>
+  </p:cSld>
+  <p:clrMapOvr>
+    <a:masterClrMapping/>
+  </p:clrMapOvr>
+</p:sld>
+</file>
+
+<file path=ppt/slides/slide22.xml><?xml version="1.0" encoding="utf-8"?>
+<p:sld xmlns:a="http://schemas.openxmlformats.org/drawingml/2006/main" xmlns:r="http://schemas.openxmlformats.org/officeDocument/2006/relationships" xmlns:p="http://schemas.openxmlformats.org/presentationml/2006/main">
+  <p:cSld>
+    <p:spTree>
+      <p:nvGrpSpPr>
+        <p:cNvPr id="1" name=""/>
+        <p:cNvGrpSpPr/>
+        <p:nvPr/>
+      </p:nvGrpSpPr>
+      <p:grpSpPr>
+        <a:xfrm>
+          <a:off x="0" y="0"/>
+          <a:ext cx="0" cy="0"/>
+          <a:chOff x="0" y="0"/>
+          <a:chExt cx="0" cy="0"/>
+        </a:xfrm>
+      </p:grpSpPr>
+      <p:sp>
+        <p:nvSpPr>
+          <p:cNvPr id="2" name="Título 1">
+            <a:extLst>
+              <a:ext uri="{FF2B5EF4-FFF2-40B4-BE49-F238E27FC236}">
+                <a16:creationId xmlns:a16="http://schemas.microsoft.com/office/drawing/2014/main" id="{5CD1023A-F500-41B8-A61E-28498E47314A}"/>
+              </a:ext>
+            </a:extLst>
+          </p:cNvPr>
+          <p:cNvSpPr>
+            <a:spLocks noGrp="1"/>
+          </p:cNvSpPr>
+          <p:nvPr>
+            <p:ph type="title"/>
+          </p:nvPr>
+        </p:nvSpPr>
+        <p:spPr/>
+        <p:txBody>
+          <a:bodyPr/>
+          <a:lstStyle/>
+          <a:p>
+            <a:r>
+              <a:rPr lang="es-US" dirty="0"/>
+              <a:t>FULL OUTER JOIN</a:t>
+            </a:r>
+          </a:p>
+        </p:txBody>
+      </p:sp>
+      <p:sp>
+        <p:nvSpPr>
+          <p:cNvPr id="3" name="Marcador de contenido 2">
+            <a:extLst>
+              <a:ext uri="{FF2B5EF4-FFF2-40B4-BE49-F238E27FC236}">
+                <a16:creationId xmlns:a16="http://schemas.microsoft.com/office/drawing/2014/main" id="{7233D5C6-DA34-4652-86DD-09BB31476DE6}"/>
+              </a:ext>
+            </a:extLst>
+          </p:cNvPr>
+          <p:cNvSpPr>
+            <a:spLocks noGrp="1"/>
+          </p:cNvSpPr>
+          <p:nvPr>
+            <p:ph idx="1"/>
+          </p:nvPr>
+        </p:nvSpPr>
+        <p:spPr/>
+        <p:txBody>
+          <a:bodyPr/>
+          <a:lstStyle/>
+          <a:p>
+            <a:pPr marL="0" indent="0" latinLnBrk="1">
+              <a:buNone/>
+            </a:pPr>
+            <a:r>
+              <a:rPr lang="en-US" dirty="0"/>
+              <a:t>SELECT &lt;LISTA_COLUMNAS&gt;</a:t>
+            </a:r>
+          </a:p>
+          <a:p>
+            <a:pPr marL="0" indent="0" latinLnBrk="1">
+              <a:buNone/>
+            </a:pPr>
+            <a:r>
+              <a:rPr lang="en-US" dirty="0"/>
+              <a:t>FROM &lt;TABLA_IZQUIERDA&gt;</a:t>
+            </a:r>
+          </a:p>
+          <a:p>
+            <a:pPr marL="0" indent="0" latinLnBrk="1">
+              <a:buNone/>
+            </a:pPr>
+            <a:r>
+              <a:rPr lang="en-US" b="1" dirty="0"/>
+              <a:t>FULL OUTER JOIN </a:t>
+            </a:r>
+            <a:r>
+              <a:rPr lang="en-US" dirty="0"/>
+              <a:t>&lt;TABLA_DERECHA&gt; ON &lt;CONDICION&gt;;</a:t>
+            </a:r>
+          </a:p>
+          <a:p>
+            <a:endParaRPr lang="es-US" dirty="0"/>
+          </a:p>
+        </p:txBody>
+      </p:sp>
+      <p:pic>
+        <p:nvPicPr>
+          <p:cNvPr id="4" name="Imagen 3">
+            <a:extLst>
+              <a:ext uri="{FF2B5EF4-FFF2-40B4-BE49-F238E27FC236}">
+                <a16:creationId xmlns:a16="http://schemas.microsoft.com/office/drawing/2014/main" id="{ED89DEC3-EA49-49A6-B29A-9761CD638774}"/>
+              </a:ext>
+            </a:extLst>
+          </p:cNvPr>
+          <p:cNvPicPr>
+            <a:picLocks noChangeAspect="1"/>
+          </p:cNvPicPr>
+          <p:nvPr/>
+        </p:nvPicPr>
+        <p:blipFill>
+          <a:blip r:embed="rId2"/>
+          <a:stretch>
+            <a:fillRect/>
+          </a:stretch>
+        </p:blipFill>
+        <p:spPr>
+          <a:xfrm>
+            <a:off x="4309003" y="4082796"/>
+            <a:ext cx="3573994" cy="2149874"/>
+          </a:xfrm>
+          <a:prstGeom prst="rect">
+            <a:avLst/>
+          </a:prstGeom>
+        </p:spPr>
+      </p:pic>
+    </p:spTree>
+    <p:extLst>
+      <p:ext uri="{BB962C8B-B14F-4D97-AF65-F5344CB8AC3E}">
+        <p14:creationId xmlns:p14="http://schemas.microsoft.com/office/powerpoint/2010/main" val="1022174448"/>
+      </p:ext>
+    </p:extLst>
+  </p:cSld>
+  <p:clrMapOvr>
+    <a:masterClrMapping/>
+  </p:clrMapOvr>
+</p:sld>
+</file>
+
+<file path=ppt/slides/slide23.xml><?xml version="1.0" encoding="utf-8"?>
+<p:sld xmlns:a="http://schemas.openxmlformats.org/drawingml/2006/main" xmlns:r="http://schemas.openxmlformats.org/officeDocument/2006/relationships" xmlns:p="http://schemas.openxmlformats.org/presentationml/2006/main">
+  <p:cSld>
+    <p:spTree>
+      <p:nvGrpSpPr>
+        <p:cNvPr id="1" name=""/>
+        <p:cNvGrpSpPr/>
+        <p:nvPr/>
+      </p:nvGrpSpPr>
+      <p:grpSpPr>
+        <a:xfrm>
+          <a:off x="0" y="0"/>
+          <a:ext cx="0" cy="0"/>
+          <a:chOff x="0" y="0"/>
+          <a:chExt cx="0" cy="0"/>
+        </a:xfrm>
+      </p:grpSpPr>
+      <p:sp>
+        <p:nvSpPr>
+          <p:cNvPr id="2" name="Título 1">
+            <a:extLst>
+              <a:ext uri="{FF2B5EF4-FFF2-40B4-BE49-F238E27FC236}">
+                <a16:creationId xmlns:a16="http://schemas.microsoft.com/office/drawing/2014/main" id="{5CD1023A-F500-41B8-A61E-28498E47314A}"/>
+              </a:ext>
+            </a:extLst>
+          </p:cNvPr>
+          <p:cNvSpPr>
+            <a:spLocks noGrp="1"/>
+          </p:cNvSpPr>
+          <p:nvPr>
+            <p:ph type="title"/>
+          </p:nvPr>
+        </p:nvSpPr>
+        <p:spPr/>
+        <p:txBody>
+          <a:bodyPr/>
+          <a:lstStyle/>
+          <a:p>
+            <a:r>
+              <a:rPr lang="es-US" dirty="0"/>
+              <a:t>CROSS JOIN</a:t>
+            </a:r>
+          </a:p>
+        </p:txBody>
+      </p:sp>
+      <p:sp>
+        <p:nvSpPr>
+          <p:cNvPr id="3" name="Marcador de contenido 2">
+            <a:extLst>
+              <a:ext uri="{FF2B5EF4-FFF2-40B4-BE49-F238E27FC236}">
+                <a16:creationId xmlns:a16="http://schemas.microsoft.com/office/drawing/2014/main" id="{7233D5C6-DA34-4652-86DD-09BB31476DE6}"/>
+              </a:ext>
+            </a:extLst>
+          </p:cNvPr>
+          <p:cNvSpPr>
+            <a:spLocks noGrp="1"/>
+          </p:cNvSpPr>
+          <p:nvPr>
+            <p:ph idx="1"/>
+          </p:nvPr>
+        </p:nvSpPr>
+        <p:spPr/>
+        <p:txBody>
+          <a:bodyPr/>
+          <a:lstStyle/>
+          <a:p>
+            <a:pPr marL="0" indent="0" latinLnBrk="1">
+              <a:buNone/>
+            </a:pPr>
+            <a:r>
+              <a:rPr lang="en-US" dirty="0"/>
+              <a:t>SELECT &lt;LISTA_COLUMNAS&gt;</a:t>
+            </a:r>
+          </a:p>
+          <a:p>
+            <a:pPr marL="0" indent="0" latinLnBrk="1">
+              <a:buNone/>
+            </a:pPr>
+            <a:r>
+              <a:rPr lang="en-US" dirty="0"/>
+              <a:t>FROM &lt;TABLA_IZQUIERDA&gt;</a:t>
+            </a:r>
+          </a:p>
+          <a:p>
+            <a:pPr marL="0" indent="0" latinLnBrk="1">
+              <a:buNone/>
+            </a:pPr>
+            <a:r>
+              <a:rPr lang="en-US" b="1" dirty="0"/>
+              <a:t>CROSS JOIN </a:t>
+            </a:r>
+            <a:r>
+              <a:rPr lang="en-US" dirty="0"/>
+              <a:t>&lt;TABLA_DERECHA&gt;;</a:t>
+            </a:r>
+          </a:p>
+          <a:p>
+            <a:endParaRPr lang="es-US" dirty="0"/>
+          </a:p>
+        </p:txBody>
+      </p:sp>
+      <p:pic>
+        <p:nvPicPr>
+          <p:cNvPr id="2050" name="Picture 2" descr="SQL Server CROSS JOIN example">
+            <a:extLst>
+              <a:ext uri="{FF2B5EF4-FFF2-40B4-BE49-F238E27FC236}">
+                <a16:creationId xmlns:a16="http://schemas.microsoft.com/office/drawing/2014/main" id="{AD86D9DD-435D-40FF-9F13-5700E2CB8F87}"/>
+              </a:ext>
+            </a:extLst>
+          </p:cNvPr>
+          <p:cNvPicPr>
+            <a:picLocks noChangeAspect="1" noChangeArrowheads="1"/>
+          </p:cNvPicPr>
+          <p:nvPr/>
+        </p:nvPicPr>
+        <p:blipFill>
+          <a:blip r:embed="rId2">
+            <a:extLst>
+              <a:ext uri="{28A0092B-C50C-407E-A947-70E740481C1C}">
+                <a14:useLocalDpi xmlns:a14="http://schemas.microsoft.com/office/drawing/2010/main" val="0"/>
+              </a:ext>
+            </a:extLst>
+          </a:blip>
+          <a:srcRect/>
+          <a:stretch>
+            <a:fillRect/>
+          </a:stretch>
+        </p:blipFill>
+        <p:spPr bwMode="auto">
+          <a:xfrm>
+            <a:off x="5740630" y="1874517"/>
+            <a:ext cx="5544949" cy="4334742"/>
+          </a:xfrm>
+          <a:prstGeom prst="rect">
+            <a:avLst/>
+          </a:prstGeom>
+          <a:noFill/>
+          <a:extLst>
+            <a:ext uri="{909E8E84-426E-40DD-AFC4-6F175D3DCCD1}">
+              <a14:hiddenFill xmlns:a14="http://schemas.microsoft.com/office/drawing/2010/main">
+                <a:solidFill>
+                  <a:srgbClr val="FFFFFF"/>
+                </a:solidFill>
+              </a14:hiddenFill>
+            </a:ext>
+          </a:extLst>
+        </p:spPr>
+      </p:pic>
+    </p:spTree>
+    <p:extLst>
+      <p:ext uri="{BB962C8B-B14F-4D97-AF65-F5344CB8AC3E}">
+        <p14:creationId xmlns:p14="http://schemas.microsoft.com/office/powerpoint/2010/main" val="3517005779"/>
+      </p:ext>
+    </p:extLst>
+  </p:cSld>
+  <p:clrMapOvr>
+    <a:masterClrMapping/>
+  </p:clrMapOvr>
+</p:sld>
+</file>
+
+<file path=ppt/slides/slide24.xml><?xml version="1.0" encoding="utf-8"?>
+<p:sld xmlns:a="http://schemas.openxmlformats.org/drawingml/2006/main" xmlns:r="http://schemas.openxmlformats.org/officeDocument/2006/relationships" xmlns:p="http://schemas.openxmlformats.org/presentationml/2006/main">
+  <p:cSld>
+    <p:spTree>
+      <p:nvGrpSpPr>
+        <p:cNvPr id="1" name=""/>
+        <p:cNvGrpSpPr/>
+        <p:nvPr/>
+      </p:nvGrpSpPr>
+      <p:grpSpPr>
+        <a:xfrm>
+          <a:off x="0" y="0"/>
+          <a:ext cx="0" cy="0"/>
+          <a:chOff x="0" y="0"/>
+          <a:chExt cx="0" cy="0"/>
+        </a:xfrm>
+      </p:grpSpPr>
+      <p:sp>
+        <p:nvSpPr>
+          <p:cNvPr id="2" name="Título 1">
+            <a:extLst>
+              <a:ext uri="{FF2B5EF4-FFF2-40B4-BE49-F238E27FC236}">
+                <a16:creationId xmlns:a16="http://schemas.microsoft.com/office/drawing/2014/main" id="{524E7B3E-BC1F-4393-B93F-5190029962DD}"/>
+              </a:ext>
+            </a:extLst>
+          </p:cNvPr>
+          <p:cNvSpPr>
+            <a:spLocks noGrp="1"/>
+          </p:cNvSpPr>
+          <p:nvPr>
+            <p:ph type="title"/>
+          </p:nvPr>
+        </p:nvSpPr>
+        <p:spPr/>
+        <p:txBody>
+          <a:bodyPr/>
+          <a:lstStyle/>
+          <a:p>
+            <a:r>
+              <a:rPr lang="es-US" dirty="0"/>
+              <a:t>CREATE TABLE</a:t>
+            </a:r>
+          </a:p>
+        </p:txBody>
+      </p:sp>
+      <p:sp>
+        <p:nvSpPr>
+          <p:cNvPr id="4" name="Rectángulo 3">
+            <a:extLst>
+              <a:ext uri="{FF2B5EF4-FFF2-40B4-BE49-F238E27FC236}">
+                <a16:creationId xmlns:a16="http://schemas.microsoft.com/office/drawing/2014/main" id="{D19EA169-77A8-4496-9451-96E0ED5CDB76}"/>
+              </a:ext>
+            </a:extLst>
+          </p:cNvPr>
+          <p:cNvSpPr/>
+          <p:nvPr/>
+        </p:nvSpPr>
+        <p:spPr>
+          <a:xfrm>
+            <a:off x="1251678" y="1874517"/>
+            <a:ext cx="6096000" cy="2031325"/>
+          </a:xfrm>
+          <a:prstGeom prst="rect">
+            <a:avLst/>
+          </a:prstGeom>
+        </p:spPr>
+        <p:txBody>
+          <a:bodyPr>
+            <a:spAutoFit/>
+          </a:bodyPr>
+          <a:lstStyle/>
+          <a:p>
+            <a:pPr latinLnBrk="1"/>
+            <a:r>
+              <a:rPr lang="en-US" dirty="0">
+                <a:solidFill>
+                  <a:srgbClr val="0101FD"/>
+                </a:solidFill>
+                <a:latin typeface="inherit"/>
+              </a:rPr>
+              <a:t>CREATE</a:t>
+            </a:r>
+            <a:r>
+              <a:rPr lang="en-US" dirty="0">
+                <a:solidFill>
+                  <a:srgbClr val="006FE0"/>
+                </a:solidFill>
+                <a:latin typeface="inherit"/>
+              </a:rPr>
+              <a:t> </a:t>
+            </a:r>
+            <a:r>
+              <a:rPr lang="en-US" dirty="0">
+                <a:solidFill>
+                  <a:srgbClr val="0101FD"/>
+                </a:solidFill>
+                <a:latin typeface="inherit"/>
+              </a:rPr>
+              <a:t>TABLE</a:t>
+            </a:r>
+            <a:r>
+              <a:rPr lang="en-US" dirty="0">
+                <a:solidFill>
+                  <a:srgbClr val="006FE0"/>
+                </a:solidFill>
+                <a:latin typeface="inherit"/>
+              </a:rPr>
+              <a:t> </a:t>
+            </a:r>
+            <a:r>
+              <a:rPr lang="en-US" dirty="0">
+                <a:solidFill>
+                  <a:srgbClr val="333333"/>
+                </a:solidFill>
+                <a:latin typeface="inherit"/>
+              </a:rPr>
+              <a:t>[</a:t>
+            </a:r>
+            <a:r>
+              <a:rPr lang="en-US" dirty="0" err="1">
+                <a:solidFill>
+                  <a:srgbClr val="445870"/>
+                </a:solidFill>
+                <a:latin typeface="inherit"/>
+              </a:rPr>
+              <a:t>database_name</a:t>
+            </a:r>
+            <a:r>
+              <a:rPr lang="en-US" dirty="0">
+                <a:solidFill>
+                  <a:srgbClr val="333333"/>
+                </a:solidFill>
+                <a:latin typeface="inherit"/>
+              </a:rPr>
+              <a:t>.][</a:t>
+            </a:r>
+            <a:r>
+              <a:rPr lang="en-US" dirty="0" err="1">
+                <a:solidFill>
+                  <a:srgbClr val="445870"/>
+                </a:solidFill>
+                <a:latin typeface="inherit"/>
+              </a:rPr>
+              <a:t>schema_name</a:t>
+            </a:r>
+            <a:r>
+              <a:rPr lang="en-US" dirty="0">
+                <a:solidFill>
+                  <a:srgbClr val="333333"/>
+                </a:solidFill>
+                <a:latin typeface="inherit"/>
+              </a:rPr>
+              <a:t>.]</a:t>
+            </a:r>
+            <a:r>
+              <a:rPr lang="en-US" dirty="0" err="1">
+                <a:solidFill>
+                  <a:srgbClr val="000000"/>
+                </a:solidFill>
+                <a:latin typeface="inherit"/>
+              </a:rPr>
+              <a:t>table_name</a:t>
+            </a:r>
+            <a:r>
+              <a:rPr lang="en-US" dirty="0">
+                <a:solidFill>
+                  <a:srgbClr val="000000"/>
+                </a:solidFill>
+                <a:latin typeface="inherit"/>
+              </a:rPr>
+              <a:t> </a:t>
+            </a:r>
+            <a:r>
+              <a:rPr lang="en-US" dirty="0">
+                <a:solidFill>
+                  <a:srgbClr val="333333"/>
+                </a:solidFill>
+                <a:latin typeface="inherit"/>
+              </a:rPr>
+              <a:t>(</a:t>
+            </a:r>
+            <a:endParaRPr lang="en-US" dirty="0">
+              <a:solidFill>
+                <a:srgbClr val="445870"/>
+              </a:solidFill>
+              <a:latin typeface="Consolas" panose="020B0609020204030204" pitchFamily="49" charset="0"/>
+            </a:endParaRPr>
+          </a:p>
+          <a:p>
+            <a:pPr latinLnBrk="1"/>
+            <a:r>
+              <a:rPr lang="en-US" dirty="0">
+                <a:solidFill>
+                  <a:srgbClr val="006FE0"/>
+                </a:solidFill>
+                <a:latin typeface="inherit"/>
+              </a:rPr>
+              <a:t>    </a:t>
+            </a:r>
+            <a:r>
+              <a:rPr lang="en-US" dirty="0" err="1">
+                <a:solidFill>
+                  <a:srgbClr val="445870"/>
+                </a:solidFill>
+                <a:latin typeface="inherit"/>
+              </a:rPr>
+              <a:t>pk_column</a:t>
+            </a:r>
+            <a:r>
+              <a:rPr lang="en-US" dirty="0">
+                <a:solidFill>
+                  <a:srgbClr val="006FE0"/>
+                </a:solidFill>
+                <a:latin typeface="inherit"/>
+              </a:rPr>
+              <a:t> </a:t>
+            </a:r>
+            <a:r>
+              <a:rPr lang="en-US" dirty="0" err="1">
+                <a:solidFill>
+                  <a:srgbClr val="445870"/>
+                </a:solidFill>
+                <a:latin typeface="inherit"/>
+              </a:rPr>
+              <a:t>data_type</a:t>
+            </a:r>
+            <a:r>
+              <a:rPr lang="en-US" dirty="0">
+                <a:solidFill>
+                  <a:srgbClr val="006FE0"/>
+                </a:solidFill>
+                <a:latin typeface="inherit"/>
+              </a:rPr>
+              <a:t> </a:t>
+            </a:r>
+            <a:r>
+              <a:rPr lang="en-US" dirty="0">
+                <a:solidFill>
+                  <a:srgbClr val="0101FD"/>
+                </a:solidFill>
+                <a:latin typeface="inherit"/>
+              </a:rPr>
+              <a:t>PRIMARY</a:t>
+            </a:r>
+            <a:r>
+              <a:rPr lang="en-US" dirty="0">
+                <a:solidFill>
+                  <a:srgbClr val="006FE0"/>
+                </a:solidFill>
+                <a:latin typeface="inherit"/>
+              </a:rPr>
+              <a:t> </a:t>
+            </a:r>
+            <a:r>
+              <a:rPr lang="en-US" dirty="0">
+                <a:solidFill>
+                  <a:srgbClr val="0101FD"/>
+                </a:solidFill>
+                <a:latin typeface="inherit"/>
+              </a:rPr>
+              <a:t>KEY</a:t>
+            </a:r>
+            <a:r>
+              <a:rPr lang="en-US" dirty="0">
+                <a:solidFill>
+                  <a:srgbClr val="333333"/>
+                </a:solidFill>
+                <a:latin typeface="inherit"/>
+              </a:rPr>
+              <a:t>,</a:t>
+            </a:r>
+            <a:endParaRPr lang="en-US" dirty="0">
+              <a:solidFill>
+                <a:srgbClr val="445870"/>
+              </a:solidFill>
+              <a:latin typeface="Consolas" panose="020B0609020204030204" pitchFamily="49" charset="0"/>
+            </a:endParaRPr>
+          </a:p>
+          <a:p>
+            <a:pPr latinLnBrk="1"/>
+            <a:r>
+              <a:rPr lang="en-US" dirty="0">
+                <a:solidFill>
+                  <a:srgbClr val="006FE0"/>
+                </a:solidFill>
+                <a:latin typeface="inherit"/>
+              </a:rPr>
+              <a:t>    </a:t>
+            </a:r>
+            <a:r>
+              <a:rPr lang="en-US" dirty="0">
+                <a:solidFill>
+                  <a:srgbClr val="445870"/>
+                </a:solidFill>
+                <a:latin typeface="inherit"/>
+              </a:rPr>
+              <a:t>column_1</a:t>
+            </a:r>
+            <a:r>
+              <a:rPr lang="en-US" dirty="0">
+                <a:solidFill>
+                  <a:srgbClr val="006FE0"/>
+                </a:solidFill>
+                <a:latin typeface="inherit"/>
+              </a:rPr>
+              <a:t> </a:t>
+            </a:r>
+            <a:r>
+              <a:rPr lang="en-US" dirty="0" err="1">
+                <a:solidFill>
+                  <a:srgbClr val="445870"/>
+                </a:solidFill>
+                <a:latin typeface="inherit"/>
+              </a:rPr>
+              <a:t>data_type</a:t>
+            </a:r>
+            <a:r>
+              <a:rPr lang="en-US" dirty="0">
+                <a:solidFill>
+                  <a:srgbClr val="006FE0"/>
+                </a:solidFill>
+                <a:latin typeface="inherit"/>
+              </a:rPr>
+              <a:t> </a:t>
+            </a:r>
+            <a:r>
+              <a:rPr lang="en-US" dirty="0">
+                <a:solidFill>
+                  <a:srgbClr val="0101FD"/>
+                </a:solidFill>
+                <a:latin typeface="inherit"/>
+              </a:rPr>
+              <a:t>NOT</a:t>
+            </a:r>
+            <a:r>
+              <a:rPr lang="en-US" dirty="0">
+                <a:solidFill>
+                  <a:srgbClr val="006FE0"/>
+                </a:solidFill>
+                <a:latin typeface="inherit"/>
+              </a:rPr>
+              <a:t> </a:t>
+            </a:r>
+            <a:r>
+              <a:rPr lang="en-US" dirty="0">
+                <a:solidFill>
+                  <a:srgbClr val="0101FD"/>
+                </a:solidFill>
+                <a:latin typeface="inherit"/>
+              </a:rPr>
+              <a:t>NULL</a:t>
+            </a:r>
+            <a:r>
+              <a:rPr lang="en-US" dirty="0">
+                <a:solidFill>
+                  <a:srgbClr val="333333"/>
+                </a:solidFill>
+                <a:latin typeface="inherit"/>
+              </a:rPr>
+              <a:t>,</a:t>
+            </a:r>
+            <a:endParaRPr lang="en-US" dirty="0">
+              <a:solidFill>
+                <a:srgbClr val="445870"/>
+              </a:solidFill>
+              <a:latin typeface="Consolas" panose="020B0609020204030204" pitchFamily="49" charset="0"/>
+            </a:endParaRPr>
+          </a:p>
+          <a:p>
+            <a:pPr latinLnBrk="1"/>
+            <a:r>
+              <a:rPr lang="en-US" dirty="0">
+                <a:solidFill>
+                  <a:srgbClr val="006FE0"/>
+                </a:solidFill>
+                <a:latin typeface="inherit"/>
+              </a:rPr>
+              <a:t>    </a:t>
+            </a:r>
+            <a:r>
+              <a:rPr lang="en-US" dirty="0">
+                <a:solidFill>
+                  <a:srgbClr val="445870"/>
+                </a:solidFill>
+                <a:latin typeface="inherit"/>
+              </a:rPr>
+              <a:t>column_2</a:t>
+            </a:r>
+            <a:r>
+              <a:rPr lang="en-US" dirty="0">
+                <a:solidFill>
+                  <a:srgbClr val="006FE0"/>
+                </a:solidFill>
+                <a:latin typeface="inherit"/>
+              </a:rPr>
+              <a:t> </a:t>
+            </a:r>
+            <a:r>
+              <a:rPr lang="en-US" dirty="0" err="1">
+                <a:solidFill>
+                  <a:srgbClr val="445870"/>
+                </a:solidFill>
+                <a:latin typeface="inherit"/>
+              </a:rPr>
+              <a:t>data_type</a:t>
+            </a:r>
+            <a:r>
+              <a:rPr lang="en-US" dirty="0">
+                <a:solidFill>
+                  <a:srgbClr val="333333"/>
+                </a:solidFill>
+                <a:latin typeface="inherit"/>
+              </a:rPr>
+              <a:t>,</a:t>
+            </a:r>
+            <a:endParaRPr lang="en-US" dirty="0">
+              <a:solidFill>
+                <a:srgbClr val="445870"/>
+              </a:solidFill>
+              <a:latin typeface="Consolas" panose="020B0609020204030204" pitchFamily="49" charset="0"/>
+            </a:endParaRPr>
+          </a:p>
+          <a:p>
+            <a:pPr latinLnBrk="1"/>
+            <a:r>
+              <a:rPr lang="en-US" dirty="0">
+                <a:solidFill>
+                  <a:srgbClr val="006FE0"/>
+                </a:solidFill>
+                <a:latin typeface="inherit"/>
+              </a:rPr>
+              <a:t>    </a:t>
+            </a:r>
+            <a:r>
+              <a:rPr lang="en-US" dirty="0">
+                <a:solidFill>
+                  <a:srgbClr val="333333"/>
+                </a:solidFill>
+                <a:latin typeface="inherit"/>
+              </a:rPr>
+              <a:t>...,</a:t>
+            </a:r>
+            <a:endParaRPr lang="en-US" dirty="0">
+              <a:solidFill>
+                <a:srgbClr val="445870"/>
+              </a:solidFill>
+              <a:latin typeface="Consolas" panose="020B0609020204030204" pitchFamily="49" charset="0"/>
+            </a:endParaRPr>
+          </a:p>
+          <a:p>
+            <a:pPr latinLnBrk="1"/>
+            <a:r>
+              <a:rPr lang="en-US" dirty="0">
+                <a:solidFill>
+                  <a:srgbClr val="006FE0"/>
+                </a:solidFill>
+                <a:latin typeface="inherit"/>
+              </a:rPr>
+              <a:t>    </a:t>
+            </a:r>
+            <a:r>
+              <a:rPr lang="en-US" dirty="0" err="1">
+                <a:solidFill>
+                  <a:srgbClr val="445870"/>
+                </a:solidFill>
+                <a:latin typeface="inherit"/>
+              </a:rPr>
+              <a:t>table_constraints</a:t>
+            </a:r>
+            <a:endParaRPr lang="en-US" dirty="0">
+              <a:solidFill>
+                <a:srgbClr val="445870"/>
+              </a:solidFill>
+              <a:latin typeface="Consolas" panose="020B0609020204030204" pitchFamily="49" charset="0"/>
+            </a:endParaRPr>
+          </a:p>
+          <a:p>
+            <a:pPr latinLnBrk="1"/>
+            <a:r>
+              <a:rPr lang="en-US" dirty="0">
+                <a:solidFill>
+                  <a:srgbClr val="333333"/>
+                </a:solidFill>
+                <a:latin typeface="inherit"/>
+              </a:rPr>
+              <a:t>);</a:t>
+            </a:r>
+            <a:endParaRPr lang="en-US" b="0" i="0" dirty="0">
+              <a:solidFill>
+                <a:srgbClr val="445870"/>
+              </a:solidFill>
+              <a:effectLst/>
+              <a:latin typeface="Consolas" panose="020B0609020204030204" pitchFamily="49" charset="0"/>
+            </a:endParaRPr>
+          </a:p>
+        </p:txBody>
+      </p:sp>
+    </p:spTree>
+    <p:extLst>
+      <p:ext uri="{BB962C8B-B14F-4D97-AF65-F5344CB8AC3E}">
+        <p14:creationId xmlns:p14="http://schemas.microsoft.com/office/powerpoint/2010/main" val="778071706"/>
+      </p:ext>
+    </p:extLst>
+  </p:cSld>
+  <p:clrMapOvr>
+    <a:masterClrMapping/>
+  </p:clrMapOvr>
+</p:sld>
+</file>
+
+<file path=ppt/slides/slide25.xml><?xml version="1.0" encoding="utf-8"?>
+<p:sld xmlns:a="http://schemas.openxmlformats.org/drawingml/2006/main" xmlns:r="http://schemas.openxmlformats.org/officeDocument/2006/relationships" xmlns:p="http://schemas.openxmlformats.org/presentationml/2006/main">
+  <p:cSld>
+    <p:spTree>
+      <p:nvGrpSpPr>
+        <p:cNvPr id="1" name=""/>
+        <p:cNvGrpSpPr/>
+        <p:nvPr/>
+      </p:nvGrpSpPr>
+      <p:grpSpPr>
+        <a:xfrm>
+          <a:off x="0" y="0"/>
+          <a:ext cx="0" cy="0"/>
+          <a:chOff x="0" y="0"/>
+          <a:chExt cx="0" cy="0"/>
+        </a:xfrm>
+      </p:grpSpPr>
+      <p:sp>
+        <p:nvSpPr>
+          <p:cNvPr id="2" name="Título 1">
+            <a:extLst>
+              <a:ext uri="{FF2B5EF4-FFF2-40B4-BE49-F238E27FC236}">
+                <a16:creationId xmlns:a16="http://schemas.microsoft.com/office/drawing/2014/main" id="{A6FD86CA-935F-4CDE-A658-273CF88DA976}"/>
+              </a:ext>
+            </a:extLst>
+          </p:cNvPr>
+          <p:cNvSpPr>
+            <a:spLocks noGrp="1"/>
+          </p:cNvSpPr>
+          <p:nvPr>
+            <p:ph type="title"/>
+          </p:nvPr>
+        </p:nvSpPr>
+        <p:spPr/>
+        <p:txBody>
+          <a:bodyPr/>
+          <a:lstStyle/>
+          <a:p>
+            <a:r>
+              <a:rPr lang="es-US" dirty="0"/>
+              <a:t>CREATE TABLE EJEMPLO</a:t>
+            </a:r>
+          </a:p>
+        </p:txBody>
+      </p:sp>
+      <p:sp>
+        <p:nvSpPr>
+          <p:cNvPr id="4" name="Rectángulo 3">
+            <a:extLst>
+              <a:ext uri="{FF2B5EF4-FFF2-40B4-BE49-F238E27FC236}">
+                <a16:creationId xmlns:a16="http://schemas.microsoft.com/office/drawing/2014/main" id="{0C0058B6-5D4A-465E-A402-6BB17617BBDF}"/>
+              </a:ext>
+            </a:extLst>
+          </p:cNvPr>
+          <p:cNvSpPr/>
+          <p:nvPr/>
+        </p:nvSpPr>
+        <p:spPr>
+          <a:xfrm>
+            <a:off x="1251678" y="1874517"/>
+            <a:ext cx="6096000" cy="2585323"/>
+          </a:xfrm>
+          <a:prstGeom prst="rect">
+            <a:avLst/>
+          </a:prstGeom>
+        </p:spPr>
+        <p:txBody>
+          <a:bodyPr>
+            <a:spAutoFit/>
+          </a:bodyPr>
+          <a:lstStyle/>
+          <a:p>
+            <a:pPr latinLnBrk="1"/>
+            <a:r>
+              <a:rPr lang="es-US" dirty="0">
+                <a:solidFill>
+                  <a:srgbClr val="0101FD"/>
+                </a:solidFill>
+                <a:latin typeface="inherit"/>
+              </a:rPr>
+              <a:t>CREATE</a:t>
+            </a:r>
+            <a:r>
+              <a:rPr lang="es-US" dirty="0">
+                <a:solidFill>
+                  <a:srgbClr val="006FE0"/>
+                </a:solidFill>
+                <a:latin typeface="inherit"/>
+              </a:rPr>
+              <a:t> </a:t>
+            </a:r>
+            <a:r>
+              <a:rPr lang="es-US" dirty="0">
+                <a:solidFill>
+                  <a:srgbClr val="0101FD"/>
+                </a:solidFill>
+                <a:latin typeface="inherit"/>
+              </a:rPr>
+              <a:t>TABLE</a:t>
+            </a:r>
+            <a:r>
+              <a:rPr lang="es-US" dirty="0">
+                <a:solidFill>
+                  <a:srgbClr val="006FE0"/>
+                </a:solidFill>
+                <a:latin typeface="inherit"/>
+              </a:rPr>
+              <a:t> </a:t>
+            </a:r>
+            <a:r>
+              <a:rPr lang="es-US" dirty="0" err="1">
+                <a:solidFill>
+                  <a:srgbClr val="445870"/>
+                </a:solidFill>
+                <a:latin typeface="inherit"/>
+              </a:rPr>
+              <a:t>sales</a:t>
+            </a:r>
+            <a:r>
+              <a:rPr lang="es-US" dirty="0" err="1">
+                <a:solidFill>
+                  <a:srgbClr val="333333"/>
+                </a:solidFill>
+                <a:latin typeface="inherit"/>
+              </a:rPr>
+              <a:t>.</a:t>
+            </a:r>
+            <a:r>
+              <a:rPr lang="es-US" dirty="0" err="1">
+                <a:solidFill>
+                  <a:srgbClr val="000000"/>
+                </a:solidFill>
+                <a:latin typeface="inherit"/>
+              </a:rPr>
+              <a:t>visits</a:t>
+            </a:r>
+            <a:r>
+              <a:rPr lang="es-US" dirty="0">
+                <a:solidFill>
+                  <a:srgbClr val="000000"/>
+                </a:solidFill>
+                <a:latin typeface="inherit"/>
+              </a:rPr>
+              <a:t> </a:t>
+            </a:r>
+            <a:r>
+              <a:rPr lang="es-US" dirty="0">
+                <a:solidFill>
+                  <a:srgbClr val="333333"/>
+                </a:solidFill>
+                <a:latin typeface="inherit"/>
+              </a:rPr>
+              <a:t>(</a:t>
+            </a:r>
+            <a:endParaRPr lang="es-US" dirty="0">
+              <a:solidFill>
+                <a:srgbClr val="445870"/>
+              </a:solidFill>
+              <a:latin typeface="Consolas" panose="020B0609020204030204" pitchFamily="49" charset="0"/>
+            </a:endParaRPr>
+          </a:p>
+          <a:p>
+            <a:pPr latinLnBrk="1"/>
+            <a:r>
+              <a:rPr lang="es-US" dirty="0">
+                <a:solidFill>
+                  <a:srgbClr val="006FE0"/>
+                </a:solidFill>
+                <a:latin typeface="inherit"/>
+              </a:rPr>
+              <a:t>    </a:t>
+            </a:r>
+            <a:r>
+              <a:rPr lang="es-US" dirty="0" err="1">
+                <a:solidFill>
+                  <a:srgbClr val="445870"/>
+                </a:solidFill>
+                <a:latin typeface="inherit"/>
+              </a:rPr>
+              <a:t>visit_id</a:t>
+            </a:r>
+            <a:r>
+              <a:rPr lang="es-US" dirty="0">
+                <a:solidFill>
+                  <a:srgbClr val="006FE0"/>
+                </a:solidFill>
+                <a:latin typeface="inherit"/>
+              </a:rPr>
+              <a:t> </a:t>
+            </a:r>
+            <a:r>
+              <a:rPr lang="es-US" dirty="0">
+                <a:solidFill>
+                  <a:srgbClr val="0101FD"/>
+                </a:solidFill>
+                <a:latin typeface="inherit"/>
+              </a:rPr>
+              <a:t>INT</a:t>
+            </a:r>
+            <a:r>
+              <a:rPr lang="es-US" dirty="0">
+                <a:solidFill>
+                  <a:srgbClr val="006FE0"/>
+                </a:solidFill>
+                <a:latin typeface="inherit"/>
+              </a:rPr>
+              <a:t> </a:t>
+            </a:r>
+            <a:r>
+              <a:rPr lang="es-US" dirty="0">
+                <a:solidFill>
+                  <a:srgbClr val="0101FD"/>
+                </a:solidFill>
+                <a:latin typeface="inherit"/>
+              </a:rPr>
+              <a:t>PRIMARY</a:t>
+            </a:r>
+            <a:r>
+              <a:rPr lang="es-US" dirty="0">
+                <a:solidFill>
+                  <a:srgbClr val="006FE0"/>
+                </a:solidFill>
+                <a:latin typeface="inherit"/>
+              </a:rPr>
+              <a:t> </a:t>
+            </a:r>
+            <a:r>
+              <a:rPr lang="es-US" dirty="0">
+                <a:solidFill>
+                  <a:srgbClr val="0101FD"/>
+                </a:solidFill>
+                <a:latin typeface="inherit"/>
+              </a:rPr>
+              <a:t>KEY</a:t>
+            </a:r>
+            <a:r>
+              <a:rPr lang="es-US" dirty="0">
+                <a:solidFill>
+                  <a:srgbClr val="006FE0"/>
+                </a:solidFill>
+                <a:latin typeface="inherit"/>
+              </a:rPr>
+              <a:t> </a:t>
+            </a:r>
+            <a:r>
+              <a:rPr lang="es-US" dirty="0">
+                <a:solidFill>
+                  <a:srgbClr val="0101FD"/>
+                </a:solidFill>
+                <a:latin typeface="inherit"/>
+              </a:rPr>
+              <a:t>IDENTITY</a:t>
+            </a:r>
+            <a:r>
+              <a:rPr lang="es-US" dirty="0">
+                <a:solidFill>
+                  <a:srgbClr val="006FE0"/>
+                </a:solidFill>
+                <a:latin typeface="inherit"/>
+              </a:rPr>
+              <a:t> </a:t>
+            </a:r>
+            <a:r>
+              <a:rPr lang="es-US" dirty="0">
+                <a:solidFill>
+                  <a:srgbClr val="333333"/>
+                </a:solidFill>
+                <a:latin typeface="inherit"/>
+              </a:rPr>
+              <a:t>(</a:t>
+            </a:r>
+            <a:r>
+              <a:rPr lang="es-US" dirty="0">
+                <a:solidFill>
+                  <a:srgbClr val="990055"/>
+                </a:solidFill>
+                <a:latin typeface="inherit"/>
+              </a:rPr>
+              <a:t>1</a:t>
+            </a:r>
+            <a:r>
+              <a:rPr lang="es-US" dirty="0">
+                <a:solidFill>
+                  <a:srgbClr val="333333"/>
+                </a:solidFill>
+                <a:latin typeface="inherit"/>
+              </a:rPr>
+              <a:t>,</a:t>
+            </a:r>
+            <a:r>
+              <a:rPr lang="es-US" dirty="0">
+                <a:solidFill>
+                  <a:srgbClr val="006FE0"/>
+                </a:solidFill>
+                <a:latin typeface="inherit"/>
+              </a:rPr>
+              <a:t> </a:t>
+            </a:r>
+            <a:r>
+              <a:rPr lang="es-US" dirty="0">
+                <a:solidFill>
+                  <a:srgbClr val="990055"/>
+                </a:solidFill>
+                <a:latin typeface="inherit"/>
+              </a:rPr>
+              <a:t>1</a:t>
+            </a:r>
+            <a:r>
+              <a:rPr lang="es-US" dirty="0">
+                <a:solidFill>
+                  <a:srgbClr val="333333"/>
+                </a:solidFill>
+                <a:latin typeface="inherit"/>
+              </a:rPr>
+              <a:t>),</a:t>
+            </a:r>
+            <a:endParaRPr lang="es-US" dirty="0">
+              <a:solidFill>
+                <a:srgbClr val="445870"/>
+              </a:solidFill>
+              <a:latin typeface="Consolas" panose="020B0609020204030204" pitchFamily="49" charset="0"/>
+            </a:endParaRPr>
+          </a:p>
+          <a:p>
+            <a:pPr latinLnBrk="1"/>
+            <a:r>
+              <a:rPr lang="es-US" dirty="0">
+                <a:solidFill>
+                  <a:srgbClr val="006FE0"/>
+                </a:solidFill>
+                <a:latin typeface="inherit"/>
+              </a:rPr>
+              <a:t>    </a:t>
+            </a:r>
+            <a:r>
+              <a:rPr lang="es-US" dirty="0" err="1">
+                <a:solidFill>
+                  <a:srgbClr val="445870"/>
+                </a:solidFill>
+                <a:latin typeface="inherit"/>
+              </a:rPr>
+              <a:t>first_name</a:t>
+            </a:r>
+            <a:r>
+              <a:rPr lang="es-US" dirty="0">
+                <a:solidFill>
+                  <a:srgbClr val="006FE0"/>
+                </a:solidFill>
+                <a:latin typeface="inherit"/>
+              </a:rPr>
+              <a:t> </a:t>
+            </a:r>
+            <a:r>
+              <a:rPr lang="es-US" dirty="0">
+                <a:solidFill>
+                  <a:srgbClr val="0101FD"/>
+                </a:solidFill>
+                <a:latin typeface="inherit"/>
+              </a:rPr>
+              <a:t>VARCHAR</a:t>
+            </a:r>
+            <a:r>
+              <a:rPr lang="es-US" dirty="0">
+                <a:solidFill>
+                  <a:srgbClr val="006FE0"/>
+                </a:solidFill>
+                <a:latin typeface="inherit"/>
+              </a:rPr>
+              <a:t> </a:t>
+            </a:r>
+            <a:r>
+              <a:rPr lang="es-US" dirty="0">
+                <a:solidFill>
+                  <a:srgbClr val="333333"/>
+                </a:solidFill>
+                <a:latin typeface="inherit"/>
+              </a:rPr>
+              <a:t>(</a:t>
+            </a:r>
+            <a:r>
+              <a:rPr lang="es-US" dirty="0">
+                <a:solidFill>
+                  <a:srgbClr val="990055"/>
+                </a:solidFill>
+                <a:latin typeface="inherit"/>
+              </a:rPr>
+              <a:t>50</a:t>
+            </a:r>
+            <a:r>
+              <a:rPr lang="es-US" dirty="0">
+                <a:solidFill>
+                  <a:srgbClr val="333333"/>
+                </a:solidFill>
+                <a:latin typeface="inherit"/>
+              </a:rPr>
+              <a:t>)</a:t>
+            </a:r>
+            <a:r>
+              <a:rPr lang="es-US" dirty="0">
+                <a:solidFill>
+                  <a:srgbClr val="006FE0"/>
+                </a:solidFill>
+                <a:latin typeface="inherit"/>
+              </a:rPr>
+              <a:t> </a:t>
+            </a:r>
+            <a:r>
+              <a:rPr lang="es-US" dirty="0">
+                <a:solidFill>
+                  <a:srgbClr val="0101FD"/>
+                </a:solidFill>
+                <a:latin typeface="inherit"/>
+              </a:rPr>
+              <a:t>NOT</a:t>
+            </a:r>
+            <a:r>
+              <a:rPr lang="es-US" dirty="0">
+                <a:solidFill>
+                  <a:srgbClr val="006FE0"/>
+                </a:solidFill>
+                <a:latin typeface="inherit"/>
+              </a:rPr>
+              <a:t> </a:t>
+            </a:r>
+            <a:r>
+              <a:rPr lang="es-US" dirty="0">
+                <a:solidFill>
+                  <a:srgbClr val="0101FD"/>
+                </a:solidFill>
+                <a:latin typeface="inherit"/>
+              </a:rPr>
+              <a:t>NULL</a:t>
+            </a:r>
+            <a:r>
+              <a:rPr lang="es-US" dirty="0">
+                <a:solidFill>
+                  <a:srgbClr val="333333"/>
+                </a:solidFill>
+                <a:latin typeface="inherit"/>
+              </a:rPr>
+              <a:t>,</a:t>
+            </a:r>
+            <a:endParaRPr lang="es-US" dirty="0">
+              <a:solidFill>
+                <a:srgbClr val="445870"/>
+              </a:solidFill>
+              <a:latin typeface="Consolas" panose="020B0609020204030204" pitchFamily="49" charset="0"/>
+            </a:endParaRPr>
+          </a:p>
+          <a:p>
+            <a:pPr latinLnBrk="1"/>
+            <a:r>
+              <a:rPr lang="es-US" dirty="0">
+                <a:solidFill>
+                  <a:srgbClr val="006FE0"/>
+                </a:solidFill>
+                <a:latin typeface="inherit"/>
+              </a:rPr>
+              <a:t>    </a:t>
+            </a:r>
+            <a:r>
+              <a:rPr lang="es-US" dirty="0" err="1">
+                <a:solidFill>
+                  <a:srgbClr val="445870"/>
+                </a:solidFill>
+                <a:latin typeface="inherit"/>
+              </a:rPr>
+              <a:t>last_name</a:t>
+            </a:r>
+            <a:r>
+              <a:rPr lang="es-US" dirty="0">
+                <a:solidFill>
+                  <a:srgbClr val="006FE0"/>
+                </a:solidFill>
+                <a:latin typeface="inherit"/>
+              </a:rPr>
+              <a:t> </a:t>
+            </a:r>
+            <a:r>
+              <a:rPr lang="es-US" dirty="0">
+                <a:solidFill>
+                  <a:srgbClr val="0101FD"/>
+                </a:solidFill>
+                <a:latin typeface="inherit"/>
+              </a:rPr>
+              <a:t>VARCHAR</a:t>
+            </a:r>
+            <a:r>
+              <a:rPr lang="es-US" dirty="0">
+                <a:solidFill>
+                  <a:srgbClr val="006FE0"/>
+                </a:solidFill>
+                <a:latin typeface="inherit"/>
+              </a:rPr>
+              <a:t> </a:t>
+            </a:r>
+            <a:r>
+              <a:rPr lang="es-US" dirty="0">
+                <a:solidFill>
+                  <a:srgbClr val="333333"/>
+                </a:solidFill>
+                <a:latin typeface="inherit"/>
+              </a:rPr>
+              <a:t>(</a:t>
+            </a:r>
+            <a:r>
+              <a:rPr lang="es-US" dirty="0">
+                <a:solidFill>
+                  <a:srgbClr val="990055"/>
+                </a:solidFill>
+                <a:latin typeface="inherit"/>
+              </a:rPr>
+              <a:t>50</a:t>
+            </a:r>
+            <a:r>
+              <a:rPr lang="es-US" dirty="0">
+                <a:solidFill>
+                  <a:srgbClr val="333333"/>
+                </a:solidFill>
+                <a:latin typeface="inherit"/>
+              </a:rPr>
+              <a:t>)</a:t>
+            </a:r>
+            <a:r>
+              <a:rPr lang="es-US" dirty="0">
+                <a:solidFill>
+                  <a:srgbClr val="006FE0"/>
+                </a:solidFill>
+                <a:latin typeface="inherit"/>
+              </a:rPr>
+              <a:t> </a:t>
+            </a:r>
+            <a:r>
+              <a:rPr lang="es-US" dirty="0">
+                <a:solidFill>
+                  <a:srgbClr val="0101FD"/>
+                </a:solidFill>
+                <a:latin typeface="inherit"/>
+              </a:rPr>
+              <a:t>NOT</a:t>
+            </a:r>
+            <a:r>
+              <a:rPr lang="es-US" dirty="0">
+                <a:solidFill>
+                  <a:srgbClr val="006FE0"/>
+                </a:solidFill>
+                <a:latin typeface="inherit"/>
+              </a:rPr>
+              <a:t> </a:t>
+            </a:r>
+            <a:r>
+              <a:rPr lang="es-US" dirty="0">
+                <a:solidFill>
+                  <a:srgbClr val="0101FD"/>
+                </a:solidFill>
+                <a:latin typeface="inherit"/>
+              </a:rPr>
+              <a:t>NULL</a:t>
+            </a:r>
+            <a:r>
+              <a:rPr lang="es-US" dirty="0">
+                <a:solidFill>
+                  <a:srgbClr val="333333"/>
+                </a:solidFill>
+                <a:latin typeface="inherit"/>
+              </a:rPr>
+              <a:t>,</a:t>
+            </a:r>
+            <a:endParaRPr lang="es-US" dirty="0">
+              <a:solidFill>
+                <a:srgbClr val="445870"/>
+              </a:solidFill>
+              <a:latin typeface="Consolas" panose="020B0609020204030204" pitchFamily="49" charset="0"/>
+            </a:endParaRPr>
+          </a:p>
+          <a:p>
+            <a:pPr latinLnBrk="1"/>
+            <a:r>
+              <a:rPr lang="es-US" dirty="0">
+                <a:solidFill>
+                  <a:srgbClr val="006FE0"/>
+                </a:solidFill>
+                <a:latin typeface="inherit"/>
+              </a:rPr>
+              <a:t>    </a:t>
+            </a:r>
+            <a:r>
+              <a:rPr lang="es-US" dirty="0" err="1">
+                <a:solidFill>
+                  <a:srgbClr val="445870"/>
+                </a:solidFill>
+                <a:latin typeface="inherit"/>
+              </a:rPr>
+              <a:t>visited_at</a:t>
+            </a:r>
+            <a:r>
+              <a:rPr lang="es-US" dirty="0">
+                <a:solidFill>
+                  <a:srgbClr val="006FE0"/>
+                </a:solidFill>
+                <a:latin typeface="inherit"/>
+              </a:rPr>
+              <a:t> </a:t>
+            </a:r>
+            <a:r>
+              <a:rPr lang="es-US" dirty="0">
+                <a:solidFill>
+                  <a:srgbClr val="EC4444"/>
+                </a:solidFill>
+                <a:latin typeface="inherit"/>
+              </a:rPr>
+              <a:t>DATETIME</a:t>
+            </a:r>
+            <a:r>
+              <a:rPr lang="es-US" dirty="0">
+                <a:solidFill>
+                  <a:srgbClr val="333333"/>
+                </a:solidFill>
+                <a:latin typeface="inherit"/>
+              </a:rPr>
+              <a:t>,</a:t>
+            </a:r>
+            <a:endParaRPr lang="es-US" dirty="0">
+              <a:solidFill>
+                <a:srgbClr val="445870"/>
+              </a:solidFill>
+              <a:latin typeface="Consolas" panose="020B0609020204030204" pitchFamily="49" charset="0"/>
+            </a:endParaRPr>
+          </a:p>
+          <a:p>
+            <a:pPr latinLnBrk="1"/>
+            <a:r>
+              <a:rPr lang="es-US" dirty="0">
+                <a:solidFill>
+                  <a:srgbClr val="006FE0"/>
+                </a:solidFill>
+                <a:latin typeface="inherit"/>
+              </a:rPr>
+              <a:t>    </a:t>
+            </a:r>
+            <a:r>
+              <a:rPr lang="es-US" dirty="0" err="1">
+                <a:solidFill>
+                  <a:srgbClr val="445870"/>
+                </a:solidFill>
+                <a:latin typeface="inherit"/>
+              </a:rPr>
+              <a:t>phone</a:t>
+            </a:r>
+            <a:r>
+              <a:rPr lang="es-US" dirty="0">
+                <a:solidFill>
+                  <a:srgbClr val="006FE0"/>
+                </a:solidFill>
+                <a:latin typeface="inherit"/>
+              </a:rPr>
+              <a:t> </a:t>
+            </a:r>
+            <a:r>
+              <a:rPr lang="es-US" dirty="0">
+                <a:solidFill>
+                  <a:srgbClr val="0101FD"/>
+                </a:solidFill>
+                <a:latin typeface="inherit"/>
+              </a:rPr>
+              <a:t>VARCHAR</a:t>
+            </a:r>
+            <a:r>
+              <a:rPr lang="es-US" dirty="0">
+                <a:solidFill>
+                  <a:srgbClr val="333333"/>
+                </a:solidFill>
+                <a:latin typeface="inherit"/>
+              </a:rPr>
+              <a:t>(</a:t>
+            </a:r>
+            <a:r>
+              <a:rPr lang="es-US" dirty="0">
+                <a:solidFill>
+                  <a:srgbClr val="990055"/>
+                </a:solidFill>
+                <a:latin typeface="inherit"/>
+              </a:rPr>
+              <a:t>20</a:t>
+            </a:r>
+            <a:r>
+              <a:rPr lang="es-US" dirty="0">
+                <a:solidFill>
+                  <a:srgbClr val="333333"/>
+                </a:solidFill>
+                <a:latin typeface="inherit"/>
+              </a:rPr>
+              <a:t>),</a:t>
+            </a:r>
+            <a:endParaRPr lang="es-US" dirty="0">
+              <a:solidFill>
+                <a:srgbClr val="445870"/>
+              </a:solidFill>
+              <a:latin typeface="Consolas" panose="020B0609020204030204" pitchFamily="49" charset="0"/>
+            </a:endParaRPr>
+          </a:p>
+          <a:p>
+            <a:pPr latinLnBrk="1"/>
+            <a:r>
+              <a:rPr lang="es-US" dirty="0">
+                <a:solidFill>
+                  <a:srgbClr val="006FE0"/>
+                </a:solidFill>
+                <a:latin typeface="inherit"/>
+              </a:rPr>
+              <a:t>    </a:t>
+            </a:r>
+            <a:r>
+              <a:rPr lang="es-US" dirty="0" err="1">
+                <a:solidFill>
+                  <a:srgbClr val="445870"/>
+                </a:solidFill>
+                <a:latin typeface="inherit"/>
+              </a:rPr>
+              <a:t>store_id</a:t>
+            </a:r>
+            <a:r>
+              <a:rPr lang="es-US" dirty="0">
+                <a:solidFill>
+                  <a:srgbClr val="006FE0"/>
+                </a:solidFill>
+                <a:latin typeface="inherit"/>
+              </a:rPr>
+              <a:t> </a:t>
+            </a:r>
+            <a:r>
+              <a:rPr lang="es-US" dirty="0">
+                <a:solidFill>
+                  <a:srgbClr val="0101FD"/>
+                </a:solidFill>
+                <a:latin typeface="inherit"/>
+              </a:rPr>
+              <a:t>INT</a:t>
+            </a:r>
+            <a:r>
+              <a:rPr lang="es-US" dirty="0">
+                <a:solidFill>
+                  <a:srgbClr val="006FE0"/>
+                </a:solidFill>
+                <a:latin typeface="inherit"/>
+              </a:rPr>
+              <a:t> </a:t>
+            </a:r>
+            <a:r>
+              <a:rPr lang="es-US" dirty="0">
+                <a:solidFill>
+                  <a:srgbClr val="0101FD"/>
+                </a:solidFill>
+                <a:latin typeface="inherit"/>
+              </a:rPr>
+              <a:t>NOT</a:t>
+            </a:r>
+            <a:r>
+              <a:rPr lang="es-US" dirty="0">
+                <a:solidFill>
+                  <a:srgbClr val="006FE0"/>
+                </a:solidFill>
+                <a:latin typeface="inherit"/>
+              </a:rPr>
+              <a:t> </a:t>
+            </a:r>
+            <a:r>
+              <a:rPr lang="es-US" dirty="0">
+                <a:solidFill>
+                  <a:srgbClr val="0101FD"/>
+                </a:solidFill>
+                <a:latin typeface="inherit"/>
+              </a:rPr>
+              <a:t>NULL</a:t>
+            </a:r>
+            <a:r>
+              <a:rPr lang="es-US" dirty="0">
+                <a:solidFill>
+                  <a:srgbClr val="333333"/>
+                </a:solidFill>
+                <a:latin typeface="inherit"/>
+              </a:rPr>
+              <a:t>,</a:t>
+            </a:r>
+            <a:endParaRPr lang="es-US" dirty="0">
+              <a:solidFill>
+                <a:srgbClr val="445870"/>
+              </a:solidFill>
+              <a:latin typeface="Consolas" panose="020B0609020204030204" pitchFamily="49" charset="0"/>
+            </a:endParaRPr>
+          </a:p>
+          <a:p>
+            <a:pPr latinLnBrk="1"/>
+            <a:r>
+              <a:rPr lang="es-US" dirty="0">
+                <a:solidFill>
+                  <a:srgbClr val="006FE0"/>
+                </a:solidFill>
+                <a:latin typeface="inherit"/>
+              </a:rPr>
+              <a:t>    </a:t>
+            </a:r>
+            <a:r>
+              <a:rPr lang="es-US" dirty="0">
+                <a:solidFill>
+                  <a:srgbClr val="0101FD"/>
+                </a:solidFill>
+                <a:latin typeface="inherit"/>
+              </a:rPr>
+              <a:t>FOREIGN</a:t>
+            </a:r>
+            <a:r>
+              <a:rPr lang="es-US" dirty="0">
+                <a:solidFill>
+                  <a:srgbClr val="006FE0"/>
+                </a:solidFill>
+                <a:latin typeface="inherit"/>
+              </a:rPr>
+              <a:t> </a:t>
+            </a:r>
+            <a:r>
+              <a:rPr lang="es-US" dirty="0">
+                <a:solidFill>
+                  <a:srgbClr val="0101FD"/>
+                </a:solidFill>
+                <a:latin typeface="inherit"/>
+              </a:rPr>
+              <a:t>KEY</a:t>
+            </a:r>
+            <a:r>
+              <a:rPr lang="es-US" dirty="0">
+                <a:solidFill>
+                  <a:srgbClr val="006FE0"/>
+                </a:solidFill>
+                <a:latin typeface="inherit"/>
+              </a:rPr>
+              <a:t> </a:t>
+            </a:r>
+            <a:r>
+              <a:rPr lang="es-US" dirty="0">
+                <a:solidFill>
+                  <a:srgbClr val="333333"/>
+                </a:solidFill>
+                <a:latin typeface="inherit"/>
+              </a:rPr>
+              <a:t>(</a:t>
+            </a:r>
+            <a:r>
+              <a:rPr lang="es-US" dirty="0" err="1">
+                <a:solidFill>
+                  <a:srgbClr val="445870"/>
+                </a:solidFill>
+                <a:latin typeface="inherit"/>
+              </a:rPr>
+              <a:t>store_id</a:t>
+            </a:r>
+            <a:r>
+              <a:rPr lang="es-US" dirty="0">
+                <a:solidFill>
+                  <a:srgbClr val="333333"/>
+                </a:solidFill>
+                <a:latin typeface="inherit"/>
+              </a:rPr>
+              <a:t>)</a:t>
+            </a:r>
+            <a:r>
+              <a:rPr lang="es-US" dirty="0">
+                <a:solidFill>
+                  <a:srgbClr val="006FE0"/>
+                </a:solidFill>
+                <a:latin typeface="inherit"/>
+              </a:rPr>
+              <a:t> </a:t>
+            </a:r>
+            <a:r>
+              <a:rPr lang="es-US" dirty="0">
+                <a:solidFill>
+                  <a:srgbClr val="0101FD"/>
+                </a:solidFill>
+                <a:latin typeface="inherit"/>
+              </a:rPr>
+              <a:t>REFERENCES</a:t>
+            </a:r>
+            <a:r>
+              <a:rPr lang="es-US" dirty="0">
+                <a:solidFill>
+                  <a:srgbClr val="006FE0"/>
+                </a:solidFill>
+                <a:latin typeface="inherit"/>
+              </a:rPr>
+              <a:t> </a:t>
+            </a:r>
+            <a:r>
+              <a:rPr lang="es-US" dirty="0" err="1">
+                <a:solidFill>
+                  <a:srgbClr val="445870"/>
+                </a:solidFill>
+                <a:latin typeface="inherit"/>
+              </a:rPr>
+              <a:t>sales</a:t>
+            </a:r>
+            <a:r>
+              <a:rPr lang="es-US" dirty="0" err="1">
+                <a:solidFill>
+                  <a:srgbClr val="333333"/>
+                </a:solidFill>
+                <a:latin typeface="inherit"/>
+              </a:rPr>
+              <a:t>.</a:t>
+            </a:r>
+            <a:r>
+              <a:rPr lang="es-US" dirty="0" err="1">
+                <a:solidFill>
+                  <a:srgbClr val="000000"/>
+                </a:solidFill>
+                <a:latin typeface="inherit"/>
+              </a:rPr>
+              <a:t>stores</a:t>
+            </a:r>
+            <a:r>
+              <a:rPr lang="es-US" dirty="0">
+                <a:solidFill>
+                  <a:srgbClr val="000000"/>
+                </a:solidFill>
+                <a:latin typeface="inherit"/>
+              </a:rPr>
+              <a:t> </a:t>
+            </a:r>
+            <a:r>
+              <a:rPr lang="es-US" dirty="0">
+                <a:solidFill>
+                  <a:srgbClr val="333333"/>
+                </a:solidFill>
+                <a:latin typeface="inherit"/>
+              </a:rPr>
+              <a:t>(</a:t>
+            </a:r>
+            <a:r>
+              <a:rPr lang="es-US" dirty="0" err="1">
+                <a:solidFill>
+                  <a:srgbClr val="445870"/>
+                </a:solidFill>
+                <a:latin typeface="inherit"/>
+              </a:rPr>
+              <a:t>store_id</a:t>
+            </a:r>
+            <a:r>
+              <a:rPr lang="es-US" dirty="0">
+                <a:solidFill>
+                  <a:srgbClr val="333333"/>
+                </a:solidFill>
+                <a:latin typeface="inherit"/>
+              </a:rPr>
+              <a:t>)</a:t>
+            </a:r>
+            <a:endParaRPr lang="es-US" dirty="0">
+              <a:solidFill>
+                <a:srgbClr val="445870"/>
+              </a:solidFill>
+              <a:latin typeface="Consolas" panose="020B0609020204030204" pitchFamily="49" charset="0"/>
+            </a:endParaRPr>
+          </a:p>
+          <a:p>
+            <a:pPr latinLnBrk="1"/>
+            <a:r>
+              <a:rPr lang="es-US" dirty="0">
+                <a:solidFill>
+                  <a:srgbClr val="333333"/>
+                </a:solidFill>
+                <a:latin typeface="inherit"/>
+              </a:rPr>
+              <a:t>);</a:t>
+            </a:r>
+            <a:endParaRPr lang="es-US" b="0" i="0" dirty="0">
+              <a:solidFill>
+                <a:srgbClr val="445870"/>
+              </a:solidFill>
+              <a:effectLst/>
+              <a:latin typeface="Consolas" panose="020B0609020204030204" pitchFamily="49" charset="0"/>
+            </a:endParaRPr>
+          </a:p>
+        </p:txBody>
+      </p:sp>
+    </p:spTree>
+    <p:extLst>
+      <p:ext uri="{BB962C8B-B14F-4D97-AF65-F5344CB8AC3E}">
+        <p14:creationId xmlns:p14="http://schemas.microsoft.com/office/powerpoint/2010/main" val="2436289173"/>
+      </p:ext>
+    </p:extLst>
+  </p:cSld>
+  <p:clrMapOvr>
+    <a:masterClrMapping/>
+  </p:clrMapOvr>
+</p:sld>
+</file>
+
+<file path=ppt/slides/slide26.xml><?xml version="1.0" encoding="utf-8"?>
+<p:sld xmlns:a="http://schemas.openxmlformats.org/drawingml/2006/main" xmlns:r="http://schemas.openxmlformats.org/officeDocument/2006/relationships" xmlns:p="http://schemas.openxmlformats.org/presentationml/2006/main">
+  <p:cSld>
+    <p:spTree>
+      <p:nvGrpSpPr>
+        <p:cNvPr id="1" name=""/>
+        <p:cNvGrpSpPr/>
+        <p:nvPr/>
+      </p:nvGrpSpPr>
+      <p:grpSpPr>
+        <a:xfrm>
+          <a:off x="0" y="0"/>
+          <a:ext cx="0" cy="0"/>
+          <a:chOff x="0" y="0"/>
+          <a:chExt cx="0" cy="0"/>
+        </a:xfrm>
+      </p:grpSpPr>
+      <p:sp>
+        <p:nvSpPr>
+          <p:cNvPr id="2" name="Título 1">
+            <a:extLst>
+              <a:ext uri="{FF2B5EF4-FFF2-40B4-BE49-F238E27FC236}">
+                <a16:creationId xmlns:a16="http://schemas.microsoft.com/office/drawing/2014/main" id="{E624A5BA-BF1A-490D-ADCE-97C72712DE0A}"/>
+              </a:ext>
+            </a:extLst>
+          </p:cNvPr>
+          <p:cNvSpPr>
+            <a:spLocks noGrp="1"/>
+          </p:cNvSpPr>
+          <p:nvPr>
+            <p:ph type="title"/>
+          </p:nvPr>
+        </p:nvSpPr>
+        <p:spPr/>
+        <p:txBody>
+          <a:bodyPr/>
+          <a:lstStyle/>
+          <a:p>
+            <a:r>
+              <a:rPr lang="es-US" dirty="0"/>
+              <a:t>IDENTITY()</a:t>
+            </a:r>
+          </a:p>
+        </p:txBody>
+      </p:sp>
+      <p:sp>
+        <p:nvSpPr>
+          <p:cNvPr id="3" name="Marcador de contenido 2">
+            <a:extLst>
+              <a:ext uri="{FF2B5EF4-FFF2-40B4-BE49-F238E27FC236}">
+                <a16:creationId xmlns:a16="http://schemas.microsoft.com/office/drawing/2014/main" id="{12906D7A-E831-423A-A50D-534403BD03D9}"/>
+              </a:ext>
+            </a:extLst>
+          </p:cNvPr>
+          <p:cNvSpPr>
+            <a:spLocks noGrp="1"/>
+          </p:cNvSpPr>
+          <p:nvPr>
+            <p:ph idx="1"/>
+          </p:nvPr>
+        </p:nvSpPr>
+        <p:spPr/>
+        <p:txBody>
+          <a:bodyPr/>
+          <a:lstStyle/>
+          <a:p>
+            <a:pPr marL="0" indent="0">
+              <a:buNone/>
+            </a:pPr>
+            <a:r>
+              <a:rPr lang="es-US" dirty="0"/>
+              <a:t>IDENTITY[(&lt;COMIENZO&gt;,&lt;INCREMENTO&gt;)]</a:t>
+            </a:r>
+          </a:p>
+        </p:txBody>
+      </p:sp>
+    </p:spTree>
+    <p:extLst>
+      <p:ext uri="{BB962C8B-B14F-4D97-AF65-F5344CB8AC3E}">
+        <p14:creationId xmlns:p14="http://schemas.microsoft.com/office/powerpoint/2010/main" val="2358310167"/>
+      </p:ext>
+    </p:extLst>
+  </p:cSld>
+  <p:clrMapOvr>
+    <a:masterClrMapping/>
+  </p:clrMapOvr>
+</p:sld>
+</file>
+
+<file path=ppt/slides/slide27.xml><?xml version="1.0" encoding="utf-8"?>
+<p:sld xmlns:a="http://schemas.openxmlformats.org/drawingml/2006/main" xmlns:r="http://schemas.openxmlformats.org/officeDocument/2006/relationships" xmlns:p="http://schemas.openxmlformats.org/presentationml/2006/main">
+  <p:cSld>
+    <p:spTree>
+      <p:nvGrpSpPr>
+        <p:cNvPr id="1" name=""/>
+        <p:cNvGrpSpPr/>
+        <p:nvPr/>
+      </p:nvGrpSpPr>
+      <p:grpSpPr>
+        <a:xfrm>
+          <a:off x="0" y="0"/>
+          <a:ext cx="0" cy="0"/>
+          <a:chOff x="0" y="0"/>
+          <a:chExt cx="0" cy="0"/>
+        </a:xfrm>
+      </p:grpSpPr>
+      <p:sp>
+        <p:nvSpPr>
+          <p:cNvPr id="2" name="Título 1">
+            <a:extLst>
+              <a:ext uri="{FF2B5EF4-FFF2-40B4-BE49-F238E27FC236}">
+                <a16:creationId xmlns:a16="http://schemas.microsoft.com/office/drawing/2014/main" id="{58C437AD-1157-400C-941B-5828C0F7CA77}"/>
+              </a:ext>
+            </a:extLst>
+          </p:cNvPr>
+          <p:cNvSpPr>
+            <a:spLocks noGrp="1"/>
+          </p:cNvSpPr>
+          <p:nvPr>
+            <p:ph type="title"/>
+          </p:nvPr>
+        </p:nvSpPr>
+        <p:spPr/>
+        <p:txBody>
+          <a:bodyPr/>
+          <a:lstStyle/>
+          <a:p>
+            <a:r>
+              <a:rPr lang="es-US" dirty="0"/>
+              <a:t>ALTER TABLE ADD COLUMN</a:t>
+            </a:r>
+          </a:p>
+        </p:txBody>
+      </p:sp>
+      <p:sp>
+        <p:nvSpPr>
+          <p:cNvPr id="3" name="Marcador de contenido 2">
+            <a:extLst>
+              <a:ext uri="{FF2B5EF4-FFF2-40B4-BE49-F238E27FC236}">
+                <a16:creationId xmlns:a16="http://schemas.microsoft.com/office/drawing/2014/main" id="{6236C0B7-B48B-4DB5-B3FD-54BA735921CC}"/>
+              </a:ext>
+            </a:extLst>
+          </p:cNvPr>
+          <p:cNvSpPr>
+            <a:spLocks noGrp="1"/>
+          </p:cNvSpPr>
+          <p:nvPr>
+            <p:ph idx="1"/>
+          </p:nvPr>
+        </p:nvSpPr>
+        <p:spPr/>
+        <p:txBody>
+          <a:bodyPr/>
+          <a:lstStyle/>
+          <a:p>
+            <a:pPr marL="0" indent="0" latinLnBrk="1">
+              <a:buNone/>
+            </a:pPr>
+            <a:r>
+              <a:rPr lang="en-US" dirty="0"/>
+              <a:t>ALTER TABLE &lt;NOMBRE_TABLA&gt;</a:t>
+            </a:r>
+          </a:p>
+          <a:p>
+            <a:pPr marL="0" indent="0" latinLnBrk="1">
+              <a:buNone/>
+            </a:pPr>
+            <a:r>
+              <a:rPr lang="en-US" dirty="0"/>
+              <a:t>ADD &lt;NOMBRE_COLUMNA&gt; &lt;TIPO_DATO&gt; &lt;RESTRICCION&gt;;</a:t>
+            </a:r>
+          </a:p>
+          <a:p>
+            <a:pPr marL="0" indent="0">
+              <a:buNone/>
+            </a:pPr>
+            <a:endParaRPr lang="es-US" dirty="0"/>
+          </a:p>
+        </p:txBody>
+      </p:sp>
+    </p:spTree>
+    <p:extLst>
+      <p:ext uri="{BB962C8B-B14F-4D97-AF65-F5344CB8AC3E}">
+        <p14:creationId xmlns:p14="http://schemas.microsoft.com/office/powerpoint/2010/main" val="1402498997"/>
+      </p:ext>
+    </p:extLst>
+  </p:cSld>
+  <p:clrMapOvr>
+    <a:masterClrMapping/>
+  </p:clrMapOvr>
+</p:sld>
+</file>
+
+<file path=ppt/slides/slide28.xml><?xml version="1.0" encoding="utf-8"?>
+<p:sld xmlns:a="http://schemas.openxmlformats.org/drawingml/2006/main" xmlns:r="http://schemas.openxmlformats.org/officeDocument/2006/relationships" xmlns:p="http://schemas.openxmlformats.org/presentationml/2006/main">
+  <p:cSld>
+    <p:spTree>
+      <p:nvGrpSpPr>
+        <p:cNvPr id="1" name=""/>
+        <p:cNvGrpSpPr/>
+        <p:nvPr/>
+      </p:nvGrpSpPr>
+      <p:grpSpPr>
+        <a:xfrm>
+          <a:off x="0" y="0"/>
+          <a:ext cx="0" cy="0"/>
+          <a:chOff x="0" y="0"/>
+          <a:chExt cx="0" cy="0"/>
+        </a:xfrm>
+      </p:grpSpPr>
+      <p:sp>
+        <p:nvSpPr>
+          <p:cNvPr id="2" name="Título 1">
+            <a:extLst>
+              <a:ext uri="{FF2B5EF4-FFF2-40B4-BE49-F238E27FC236}">
+                <a16:creationId xmlns:a16="http://schemas.microsoft.com/office/drawing/2014/main" id="{58C437AD-1157-400C-941B-5828C0F7CA77}"/>
+              </a:ext>
+            </a:extLst>
+          </p:cNvPr>
+          <p:cNvSpPr>
+            <a:spLocks noGrp="1"/>
+          </p:cNvSpPr>
+          <p:nvPr>
+            <p:ph type="title"/>
+          </p:nvPr>
+        </p:nvSpPr>
+        <p:spPr/>
+        <p:txBody>
+          <a:bodyPr/>
+          <a:lstStyle/>
+          <a:p>
+            <a:r>
+              <a:rPr lang="es-US" dirty="0"/>
+              <a:t>ALTER TABLE ALTER COLUMN</a:t>
+            </a:r>
+          </a:p>
+        </p:txBody>
+      </p:sp>
+      <p:sp>
+        <p:nvSpPr>
+          <p:cNvPr id="3" name="Marcador de contenido 2">
+            <a:extLst>
+              <a:ext uri="{FF2B5EF4-FFF2-40B4-BE49-F238E27FC236}">
+                <a16:creationId xmlns:a16="http://schemas.microsoft.com/office/drawing/2014/main" id="{6236C0B7-B48B-4DB5-B3FD-54BA735921CC}"/>
+              </a:ext>
+            </a:extLst>
+          </p:cNvPr>
+          <p:cNvSpPr>
+            <a:spLocks noGrp="1"/>
+          </p:cNvSpPr>
+          <p:nvPr>
+            <p:ph idx="1"/>
+          </p:nvPr>
+        </p:nvSpPr>
+        <p:spPr/>
+        <p:txBody>
+          <a:bodyPr/>
+          <a:lstStyle/>
+          <a:p>
+            <a:pPr marL="0" indent="0" latinLnBrk="1">
+              <a:buNone/>
+            </a:pPr>
+            <a:r>
+              <a:rPr lang="en-US" dirty="0"/>
+              <a:t>ALTER TABLE &lt;NOMBRE_TABLA&gt;</a:t>
+            </a:r>
+          </a:p>
+          <a:p>
+            <a:pPr marL="0" indent="0" latinLnBrk="1">
+              <a:buNone/>
+            </a:pPr>
+            <a:r>
+              <a:rPr lang="en-US" dirty="0"/>
+              <a:t>ALTER COLUMN &lt;NOMBRE_COLUMNA&gt; &lt;TIPO_DATO&gt; &lt;RESTRICCION&gt;;</a:t>
+            </a:r>
+          </a:p>
+          <a:p>
+            <a:pPr marL="0" indent="0">
+              <a:buNone/>
+            </a:pPr>
+            <a:endParaRPr lang="es-US" dirty="0"/>
+          </a:p>
+        </p:txBody>
+      </p:sp>
+    </p:spTree>
+    <p:extLst>
+      <p:ext uri="{BB962C8B-B14F-4D97-AF65-F5344CB8AC3E}">
+        <p14:creationId xmlns:p14="http://schemas.microsoft.com/office/powerpoint/2010/main" val="2722788867"/>
+      </p:ext>
+    </p:extLst>
+  </p:cSld>
+  <p:clrMapOvr>
+    <a:masterClrMapping/>
+  </p:clrMapOvr>
+</p:sld>
+</file>
+
+<file path=ppt/slides/slide29.xml><?xml version="1.0" encoding="utf-8"?>
+<p:sld xmlns:a="http://schemas.openxmlformats.org/drawingml/2006/main" xmlns:r="http://schemas.openxmlformats.org/officeDocument/2006/relationships" xmlns:p="http://schemas.openxmlformats.org/presentationml/2006/main">
+  <p:cSld>
+    <p:spTree>
+      <p:nvGrpSpPr>
+        <p:cNvPr id="1" name=""/>
+        <p:cNvGrpSpPr/>
+        <p:nvPr/>
+      </p:nvGrpSpPr>
+      <p:grpSpPr>
+        <a:xfrm>
+          <a:off x="0" y="0"/>
+          <a:ext cx="0" cy="0"/>
+          <a:chOff x="0" y="0"/>
+          <a:chExt cx="0" cy="0"/>
+        </a:xfrm>
+      </p:grpSpPr>
+      <p:sp>
+        <p:nvSpPr>
+          <p:cNvPr id="2" name="Título 1">
+            <a:extLst>
+              <a:ext uri="{FF2B5EF4-FFF2-40B4-BE49-F238E27FC236}">
+                <a16:creationId xmlns:a16="http://schemas.microsoft.com/office/drawing/2014/main" id="{E58FA738-5707-4F49-8165-AF31AB864493}"/>
+              </a:ext>
+            </a:extLst>
+          </p:cNvPr>
+          <p:cNvSpPr>
+            <a:spLocks noGrp="1"/>
+          </p:cNvSpPr>
+          <p:nvPr>
+            <p:ph type="title"/>
+          </p:nvPr>
+        </p:nvSpPr>
+        <p:spPr/>
+        <p:txBody>
+          <a:bodyPr/>
+          <a:lstStyle/>
+          <a:p>
+            <a:r>
+              <a:rPr lang="es-US" dirty="0"/>
+              <a:t>RESTRICCIÓN CHECK</a:t>
+            </a:r>
+          </a:p>
+        </p:txBody>
+      </p:sp>
+      <p:sp>
+        <p:nvSpPr>
+          <p:cNvPr id="3" name="Marcador de contenido 2">
+            <a:extLst>
+              <a:ext uri="{FF2B5EF4-FFF2-40B4-BE49-F238E27FC236}">
+                <a16:creationId xmlns:a16="http://schemas.microsoft.com/office/drawing/2014/main" id="{374FE601-6C61-47AF-B2E5-CF0EC2546559}"/>
+              </a:ext>
+            </a:extLst>
+          </p:cNvPr>
+          <p:cNvSpPr>
+            <a:spLocks noGrp="1"/>
+          </p:cNvSpPr>
+          <p:nvPr>
+            <p:ph idx="1"/>
+          </p:nvPr>
+        </p:nvSpPr>
+        <p:spPr/>
+        <p:txBody>
+          <a:bodyPr/>
+          <a:lstStyle/>
+          <a:p>
+            <a:pPr marL="0" indent="0">
+              <a:buNone/>
+            </a:pPr>
+            <a:r>
+              <a:rPr lang="es-US" dirty="0"/>
+              <a:t>CHECK(&lt;CONDICION&gt;)</a:t>
+            </a:r>
+          </a:p>
+          <a:p>
+            <a:pPr marL="0" indent="0">
+              <a:buNone/>
+            </a:pPr>
+            <a:r>
+              <a:rPr lang="es-US" dirty="0"/>
+              <a:t>CONSTRAINT &lt;NOMBRE_RESTRICCIÓN&gt; CHECK(&lt;CONDICION&gt;)</a:t>
+            </a:r>
+          </a:p>
+        </p:txBody>
+      </p:sp>
+    </p:spTree>
+    <p:extLst>
+      <p:ext uri="{BB962C8B-B14F-4D97-AF65-F5344CB8AC3E}">
+        <p14:creationId xmlns:p14="http://schemas.microsoft.com/office/powerpoint/2010/main" val="3748813631"/>
+      </p:ext>
+    </p:extLst>
+  </p:cSld>
+  <p:clrMapOvr>
+    <a:masterClrMapping/>
+  </p:clrMapOvr>
+</p:sld>
+</file>
+
 <file path=ppt/slides/slide3.xml><?xml version="1.0" encoding="utf-8"?>
 <p:sld xmlns:a="http://schemas.openxmlformats.org/drawingml/2006/main" xmlns:r="http://schemas.openxmlformats.org/officeDocument/2006/relationships" xmlns:p="http://schemas.openxmlformats.org/presentationml/2006/main">
   <p:cSld>
@@ -7937,6 +10768,303 @@
     <p:extLst>
       <p:ext uri="{BB962C8B-B14F-4D97-AF65-F5344CB8AC3E}">
         <p14:creationId xmlns:p14="http://schemas.microsoft.com/office/powerpoint/2010/main" val="2516184207"/>
+      </p:ext>
+    </p:extLst>
+  </p:cSld>
+  <p:clrMapOvr>
+    <a:masterClrMapping/>
+  </p:clrMapOvr>
+</p:sld>
+</file>
+
+<file path=ppt/slides/slide30.xml><?xml version="1.0" encoding="utf-8"?>
+<p:sld xmlns:a="http://schemas.openxmlformats.org/drawingml/2006/main" xmlns:r="http://schemas.openxmlformats.org/officeDocument/2006/relationships" xmlns:p="http://schemas.openxmlformats.org/presentationml/2006/main">
+  <p:cSld>
+    <p:spTree>
+      <p:nvGrpSpPr>
+        <p:cNvPr id="1" name=""/>
+        <p:cNvGrpSpPr/>
+        <p:nvPr/>
+      </p:nvGrpSpPr>
+      <p:grpSpPr>
+        <a:xfrm>
+          <a:off x="0" y="0"/>
+          <a:ext cx="0" cy="0"/>
+          <a:chOff x="0" y="0"/>
+          <a:chExt cx="0" cy="0"/>
+        </a:xfrm>
+      </p:grpSpPr>
+      <p:sp>
+        <p:nvSpPr>
+          <p:cNvPr id="2" name="Título 1">
+            <a:extLst>
+              <a:ext uri="{FF2B5EF4-FFF2-40B4-BE49-F238E27FC236}">
+                <a16:creationId xmlns:a16="http://schemas.microsoft.com/office/drawing/2014/main" id="{58C437AD-1157-400C-941B-5828C0F7CA77}"/>
+              </a:ext>
+            </a:extLst>
+          </p:cNvPr>
+          <p:cNvSpPr>
+            <a:spLocks noGrp="1"/>
+          </p:cNvSpPr>
+          <p:nvPr>
+            <p:ph type="title"/>
+          </p:nvPr>
+        </p:nvSpPr>
+        <p:spPr/>
+        <p:txBody>
+          <a:bodyPr/>
+          <a:lstStyle/>
+          <a:p>
+            <a:r>
+              <a:rPr lang="es-US" dirty="0"/>
+              <a:t>ALTER TABLE DROP COLUMN</a:t>
+            </a:r>
+          </a:p>
+        </p:txBody>
+      </p:sp>
+      <p:sp>
+        <p:nvSpPr>
+          <p:cNvPr id="3" name="Marcador de contenido 2">
+            <a:extLst>
+              <a:ext uri="{FF2B5EF4-FFF2-40B4-BE49-F238E27FC236}">
+                <a16:creationId xmlns:a16="http://schemas.microsoft.com/office/drawing/2014/main" id="{6236C0B7-B48B-4DB5-B3FD-54BA735921CC}"/>
+              </a:ext>
+            </a:extLst>
+          </p:cNvPr>
+          <p:cNvSpPr>
+            <a:spLocks noGrp="1"/>
+          </p:cNvSpPr>
+          <p:nvPr>
+            <p:ph idx="1"/>
+          </p:nvPr>
+        </p:nvSpPr>
+        <p:spPr/>
+        <p:txBody>
+          <a:bodyPr/>
+          <a:lstStyle/>
+          <a:p>
+            <a:pPr marL="0" indent="0" latinLnBrk="1">
+              <a:buNone/>
+            </a:pPr>
+            <a:r>
+              <a:rPr lang="en-US" dirty="0"/>
+              <a:t>ALTER TABLE &lt;NOMBRE_TABLA&gt;</a:t>
+            </a:r>
+          </a:p>
+          <a:p>
+            <a:pPr marL="0" indent="0" latinLnBrk="1">
+              <a:buNone/>
+            </a:pPr>
+            <a:r>
+              <a:rPr lang="en-US" dirty="0"/>
+              <a:t>DROP &lt;NOMBRE_COLUMNA&gt; &lt;TIPO_DATO&gt; &lt;RESTRICCION&gt;;</a:t>
+            </a:r>
+          </a:p>
+          <a:p>
+            <a:pPr marL="0" indent="0">
+              <a:buNone/>
+            </a:pPr>
+            <a:endParaRPr lang="es-US" dirty="0"/>
+          </a:p>
+        </p:txBody>
+      </p:sp>
+    </p:spTree>
+    <p:extLst>
+      <p:ext uri="{BB962C8B-B14F-4D97-AF65-F5344CB8AC3E}">
+        <p14:creationId xmlns:p14="http://schemas.microsoft.com/office/powerpoint/2010/main" val="2897196684"/>
+      </p:ext>
+    </p:extLst>
+  </p:cSld>
+  <p:clrMapOvr>
+    <a:masterClrMapping/>
+  </p:clrMapOvr>
+</p:sld>
+</file>
+
+<file path=ppt/slides/slide31.xml><?xml version="1.0" encoding="utf-8"?>
+<p:sld xmlns:a="http://schemas.openxmlformats.org/drawingml/2006/main" xmlns:r="http://schemas.openxmlformats.org/officeDocument/2006/relationships" xmlns:p="http://schemas.openxmlformats.org/presentationml/2006/main">
+  <p:cSld>
+    <p:spTree>
+      <p:nvGrpSpPr>
+        <p:cNvPr id="1" name=""/>
+        <p:cNvGrpSpPr/>
+        <p:nvPr/>
+      </p:nvGrpSpPr>
+      <p:grpSpPr>
+        <a:xfrm>
+          <a:off x="0" y="0"/>
+          <a:ext cx="0" cy="0"/>
+          <a:chOff x="0" y="0"/>
+          <a:chExt cx="0" cy="0"/>
+        </a:xfrm>
+      </p:grpSpPr>
+      <p:sp>
+        <p:nvSpPr>
+          <p:cNvPr id="2" name="Título 1">
+            <a:extLst>
+              <a:ext uri="{FF2B5EF4-FFF2-40B4-BE49-F238E27FC236}">
+                <a16:creationId xmlns:a16="http://schemas.microsoft.com/office/drawing/2014/main" id="{58C437AD-1157-400C-941B-5828C0F7CA77}"/>
+              </a:ext>
+            </a:extLst>
+          </p:cNvPr>
+          <p:cNvSpPr>
+            <a:spLocks noGrp="1"/>
+          </p:cNvSpPr>
+          <p:nvPr>
+            <p:ph type="title"/>
+          </p:nvPr>
+        </p:nvSpPr>
+        <p:spPr/>
+        <p:txBody>
+          <a:bodyPr/>
+          <a:lstStyle/>
+          <a:p>
+            <a:r>
+              <a:rPr lang="es-US" dirty="0"/>
+              <a:t>RENAME TABLE</a:t>
+            </a:r>
+          </a:p>
+        </p:txBody>
+      </p:sp>
+      <p:sp>
+        <p:nvSpPr>
+          <p:cNvPr id="3" name="Marcador de contenido 2">
+            <a:extLst>
+              <a:ext uri="{FF2B5EF4-FFF2-40B4-BE49-F238E27FC236}">
+                <a16:creationId xmlns:a16="http://schemas.microsoft.com/office/drawing/2014/main" id="{6236C0B7-B48B-4DB5-B3FD-54BA735921CC}"/>
+              </a:ext>
+            </a:extLst>
+          </p:cNvPr>
+          <p:cNvSpPr>
+            <a:spLocks noGrp="1"/>
+          </p:cNvSpPr>
+          <p:nvPr>
+            <p:ph idx="1"/>
+          </p:nvPr>
+        </p:nvSpPr>
+        <p:spPr/>
+        <p:txBody>
+          <a:bodyPr>
+            <a:normAutofit/>
+          </a:bodyPr>
+          <a:lstStyle/>
+          <a:p>
+            <a:pPr marL="0" indent="0">
+              <a:buNone/>
+            </a:pPr>
+            <a:r>
+              <a:rPr lang="es-US" sz="2400" dirty="0"/>
+              <a:t>Procedimiento </a:t>
+            </a:r>
+            <a:r>
+              <a:rPr lang="es-US" sz="2400" dirty="0" err="1"/>
+              <a:t>sp_rename</a:t>
+            </a:r>
+            <a:r>
+              <a:rPr lang="es-US" sz="2400" dirty="0"/>
+              <a:t> </a:t>
+            </a:r>
+          </a:p>
+        </p:txBody>
+      </p:sp>
+    </p:spTree>
+    <p:extLst>
+      <p:ext uri="{BB962C8B-B14F-4D97-AF65-F5344CB8AC3E}">
+        <p14:creationId xmlns:p14="http://schemas.microsoft.com/office/powerpoint/2010/main" val="427085197"/>
+      </p:ext>
+    </p:extLst>
+  </p:cSld>
+  <p:clrMapOvr>
+    <a:masterClrMapping/>
+  </p:clrMapOvr>
+</p:sld>
+</file>
+
+<file path=ppt/slides/slide32.xml><?xml version="1.0" encoding="utf-8"?>
+<p:sld xmlns:a="http://schemas.openxmlformats.org/drawingml/2006/main" xmlns:r="http://schemas.openxmlformats.org/officeDocument/2006/relationships" xmlns:p="http://schemas.openxmlformats.org/presentationml/2006/main">
+  <p:cSld>
+    <p:spTree>
+      <p:nvGrpSpPr>
+        <p:cNvPr id="1" name=""/>
+        <p:cNvGrpSpPr/>
+        <p:nvPr/>
+      </p:nvGrpSpPr>
+      <p:grpSpPr>
+        <a:xfrm>
+          <a:off x="0" y="0"/>
+          <a:ext cx="0" cy="0"/>
+          <a:chOff x="0" y="0"/>
+          <a:chExt cx="0" cy="0"/>
+        </a:xfrm>
+      </p:grpSpPr>
+      <p:sp>
+        <p:nvSpPr>
+          <p:cNvPr id="2" name="Título 1">
+            <a:extLst>
+              <a:ext uri="{FF2B5EF4-FFF2-40B4-BE49-F238E27FC236}">
+                <a16:creationId xmlns:a16="http://schemas.microsoft.com/office/drawing/2014/main" id="{B8F4F314-9E84-44BE-A164-66903CA4CABB}"/>
+              </a:ext>
+            </a:extLst>
+          </p:cNvPr>
+          <p:cNvSpPr>
+            <a:spLocks noGrp="1"/>
+          </p:cNvSpPr>
+          <p:nvPr>
+            <p:ph type="title"/>
+          </p:nvPr>
+        </p:nvSpPr>
+        <p:spPr/>
+        <p:txBody>
+          <a:bodyPr/>
+          <a:lstStyle/>
+          <a:p>
+            <a:r>
+              <a:rPr lang="es-US" dirty="0" err="1"/>
+              <a:t>Drop</a:t>
+            </a:r>
+            <a:r>
+              <a:rPr lang="es-US" dirty="0"/>
+              <a:t> table</a:t>
+            </a:r>
+          </a:p>
+        </p:txBody>
+      </p:sp>
+      <p:sp>
+        <p:nvSpPr>
+          <p:cNvPr id="3" name="Marcador de contenido 2">
+            <a:extLst>
+              <a:ext uri="{FF2B5EF4-FFF2-40B4-BE49-F238E27FC236}">
+                <a16:creationId xmlns:a16="http://schemas.microsoft.com/office/drawing/2014/main" id="{832007F8-8389-4D6E-9CD8-024F6D7EF2B0}"/>
+              </a:ext>
+            </a:extLst>
+          </p:cNvPr>
+          <p:cNvSpPr>
+            <a:spLocks noGrp="1"/>
+          </p:cNvSpPr>
+          <p:nvPr>
+            <p:ph idx="1"/>
+          </p:nvPr>
+        </p:nvSpPr>
+        <p:spPr/>
+        <p:txBody>
+          <a:bodyPr/>
+          <a:lstStyle/>
+          <a:p>
+            <a:pPr marL="0" indent="0">
+              <a:buNone/>
+            </a:pPr>
+            <a:r>
+              <a:rPr lang="en-US" dirty="0"/>
+              <a:t>DROP TABLE [IF EXISTS]  [&lt;NOMBRE_DB&gt;.][&lt;NOMBRE_ESQUEMA.]&lt;NOMBRE_TABLA&gt;;</a:t>
+            </a:r>
+            <a:endParaRPr lang="es-US" dirty="0"/>
+          </a:p>
+        </p:txBody>
+      </p:sp>
+    </p:spTree>
+    <p:extLst>
+      <p:ext uri="{BB962C8B-B14F-4D97-AF65-F5344CB8AC3E}">
+        <p14:creationId xmlns:p14="http://schemas.microsoft.com/office/powerpoint/2010/main" val="2650391856"/>
       </p:ext>
     </p:extLst>
   </p:cSld>
